--- a/java/core/objects.pptx
+++ b/java/core/objects.pptx
@@ -120,6 +120,11 @@
       </a:defRPr>
     </a:lvl9pPr>
   </p:defaultTextStyle>
+  <p:extLst>
+    <p:ext uri="{EFAFB233-063F-42B5-8137-9DF3F51BA10A}">
+      <p15:sldGuideLst xmlns:p15="http://schemas.microsoft.com/office/powerpoint/2012/main"/>
+    </p:ext>
+  </p:extLst>
 </p:presentation>
 </file>
 
@@ -145,7 +150,7 @@
           <p:cNvPr id="2" name="Title 1">
             <a:extLst>
               <a:ext uri="{FF2B5EF4-FFF2-40B4-BE49-F238E27FC236}">
-                <a16:creationId xmlns:a16="http://schemas.microsoft.com/office/drawing/2014/main" id="{E6B968D3-A0B7-6A62-D6ED-AD6D22EC117E}"/>
+                <a16:creationId xmlns:a16="http://schemas.microsoft.com/office/drawing/2014/main" xmlns="" id="{E6B968D3-A0B7-6A62-D6ED-AD6D22EC117E}"/>
               </a:ext>
             </a:extLst>
           </p:cNvPr>
@@ -183,7 +188,7 @@
           <p:cNvPr id="3" name="Subtitle 2">
             <a:extLst>
               <a:ext uri="{FF2B5EF4-FFF2-40B4-BE49-F238E27FC236}">
-                <a16:creationId xmlns:a16="http://schemas.microsoft.com/office/drawing/2014/main" id="{5A8B7F1A-83D3-C84A-2D11-A4D809E265B0}"/>
+                <a16:creationId xmlns:a16="http://schemas.microsoft.com/office/drawing/2014/main" xmlns="" id="{5A8B7F1A-83D3-C84A-2D11-A4D809E265B0}"/>
               </a:ext>
             </a:extLst>
           </p:cNvPr>
@@ -254,7 +259,7 @@
           <p:cNvPr id="4" name="Date Placeholder 3">
             <a:extLst>
               <a:ext uri="{FF2B5EF4-FFF2-40B4-BE49-F238E27FC236}">
-                <a16:creationId xmlns:a16="http://schemas.microsoft.com/office/drawing/2014/main" id="{02FE0D07-3ECA-B330-7C4E-E1711BF62B77}"/>
+                <a16:creationId xmlns:a16="http://schemas.microsoft.com/office/drawing/2014/main" xmlns="" id="{02FE0D07-3ECA-B330-7C4E-E1711BF62B77}"/>
               </a:ext>
             </a:extLst>
           </p:cNvPr>
@@ -272,7 +277,7 @@
           <a:p>
             <a:fld id="{578ED3BC-F869-4F0F-9A98-E3F58B4D9694}" type="datetimeFigureOut">
               <a:rPr lang="en-IN" smtClean="0"/>
-              <a:t>20-06-2024</a:t>
+              <a:t>24-06-2024</a:t>
             </a:fld>
             <a:endParaRPr lang="en-IN"/>
           </a:p>
@@ -283,7 +288,7 @@
           <p:cNvPr id="5" name="Footer Placeholder 4">
             <a:extLst>
               <a:ext uri="{FF2B5EF4-FFF2-40B4-BE49-F238E27FC236}">
-                <a16:creationId xmlns:a16="http://schemas.microsoft.com/office/drawing/2014/main" id="{6F0CC081-20B0-2709-FA31-7930FB879749}"/>
+                <a16:creationId xmlns:a16="http://schemas.microsoft.com/office/drawing/2014/main" xmlns="" id="{6F0CC081-20B0-2709-FA31-7930FB879749}"/>
               </a:ext>
             </a:extLst>
           </p:cNvPr>
@@ -308,7 +313,7 @@
           <p:cNvPr id="6" name="Slide Number Placeholder 5">
             <a:extLst>
               <a:ext uri="{FF2B5EF4-FFF2-40B4-BE49-F238E27FC236}">
-                <a16:creationId xmlns:a16="http://schemas.microsoft.com/office/drawing/2014/main" id="{F7026324-8458-1B07-C6B0-AB5E2BADE065}"/>
+                <a16:creationId xmlns:a16="http://schemas.microsoft.com/office/drawing/2014/main" xmlns="" id="{F7026324-8458-1B07-C6B0-AB5E2BADE065}"/>
               </a:ext>
             </a:extLst>
           </p:cNvPr>
@@ -367,7 +372,7 @@
           <p:cNvPr id="2" name="Title 1">
             <a:extLst>
               <a:ext uri="{FF2B5EF4-FFF2-40B4-BE49-F238E27FC236}">
-                <a16:creationId xmlns:a16="http://schemas.microsoft.com/office/drawing/2014/main" id="{38E94AD5-CEB4-B6AB-AF91-1F8EE40A5C03}"/>
+                <a16:creationId xmlns:a16="http://schemas.microsoft.com/office/drawing/2014/main" xmlns="" id="{38E94AD5-CEB4-B6AB-AF91-1F8EE40A5C03}"/>
               </a:ext>
             </a:extLst>
           </p:cNvPr>
@@ -396,7 +401,7 @@
           <p:cNvPr id="3" name="Vertical Text Placeholder 2">
             <a:extLst>
               <a:ext uri="{FF2B5EF4-FFF2-40B4-BE49-F238E27FC236}">
-                <a16:creationId xmlns:a16="http://schemas.microsoft.com/office/drawing/2014/main" id="{4C5E5E96-EB4D-EEA5-4214-B03725712DED}"/>
+                <a16:creationId xmlns:a16="http://schemas.microsoft.com/office/drawing/2014/main" xmlns="" id="{4C5E5E96-EB4D-EEA5-4214-B03725712DED}"/>
               </a:ext>
             </a:extLst>
           </p:cNvPr>
@@ -454,7 +459,7 @@
           <p:cNvPr id="4" name="Date Placeholder 3">
             <a:extLst>
               <a:ext uri="{FF2B5EF4-FFF2-40B4-BE49-F238E27FC236}">
-                <a16:creationId xmlns:a16="http://schemas.microsoft.com/office/drawing/2014/main" id="{2052C9B4-0369-0783-A9AB-6A7883CFFD17}"/>
+                <a16:creationId xmlns:a16="http://schemas.microsoft.com/office/drawing/2014/main" xmlns="" id="{2052C9B4-0369-0783-A9AB-6A7883CFFD17}"/>
               </a:ext>
             </a:extLst>
           </p:cNvPr>
@@ -472,7 +477,7 @@
           <a:p>
             <a:fld id="{578ED3BC-F869-4F0F-9A98-E3F58B4D9694}" type="datetimeFigureOut">
               <a:rPr lang="en-IN" smtClean="0"/>
-              <a:t>20-06-2024</a:t>
+              <a:t>24-06-2024</a:t>
             </a:fld>
             <a:endParaRPr lang="en-IN"/>
           </a:p>
@@ -483,7 +488,7 @@
           <p:cNvPr id="5" name="Footer Placeholder 4">
             <a:extLst>
               <a:ext uri="{FF2B5EF4-FFF2-40B4-BE49-F238E27FC236}">
-                <a16:creationId xmlns:a16="http://schemas.microsoft.com/office/drawing/2014/main" id="{EFB29775-E286-8BBF-3E32-36EB267E5207}"/>
+                <a16:creationId xmlns:a16="http://schemas.microsoft.com/office/drawing/2014/main" xmlns="" id="{EFB29775-E286-8BBF-3E32-36EB267E5207}"/>
               </a:ext>
             </a:extLst>
           </p:cNvPr>
@@ -508,7 +513,7 @@
           <p:cNvPr id="6" name="Slide Number Placeholder 5">
             <a:extLst>
               <a:ext uri="{FF2B5EF4-FFF2-40B4-BE49-F238E27FC236}">
-                <a16:creationId xmlns:a16="http://schemas.microsoft.com/office/drawing/2014/main" id="{EE83F731-D051-89ED-E723-BD562508DB68}"/>
+                <a16:creationId xmlns:a16="http://schemas.microsoft.com/office/drawing/2014/main" xmlns="" id="{EE83F731-D051-89ED-E723-BD562508DB68}"/>
               </a:ext>
             </a:extLst>
           </p:cNvPr>
@@ -567,7 +572,7 @@
           <p:cNvPr id="2" name="Vertical Title 1">
             <a:extLst>
               <a:ext uri="{FF2B5EF4-FFF2-40B4-BE49-F238E27FC236}">
-                <a16:creationId xmlns:a16="http://schemas.microsoft.com/office/drawing/2014/main" id="{40A19159-53E2-C94B-DB51-D18A4E1F6E07}"/>
+                <a16:creationId xmlns:a16="http://schemas.microsoft.com/office/drawing/2014/main" xmlns="" id="{40A19159-53E2-C94B-DB51-D18A4E1F6E07}"/>
               </a:ext>
             </a:extLst>
           </p:cNvPr>
@@ -601,7 +606,7 @@
           <p:cNvPr id="3" name="Vertical Text Placeholder 2">
             <a:extLst>
               <a:ext uri="{FF2B5EF4-FFF2-40B4-BE49-F238E27FC236}">
-                <a16:creationId xmlns:a16="http://schemas.microsoft.com/office/drawing/2014/main" id="{EA6F4B95-B7EA-525A-4DE4-58EDAC5E904C}"/>
+                <a16:creationId xmlns:a16="http://schemas.microsoft.com/office/drawing/2014/main" xmlns="" id="{EA6F4B95-B7EA-525A-4DE4-58EDAC5E904C}"/>
               </a:ext>
             </a:extLst>
           </p:cNvPr>
@@ -664,7 +669,7 @@
           <p:cNvPr id="4" name="Date Placeholder 3">
             <a:extLst>
               <a:ext uri="{FF2B5EF4-FFF2-40B4-BE49-F238E27FC236}">
-                <a16:creationId xmlns:a16="http://schemas.microsoft.com/office/drawing/2014/main" id="{84125178-8C63-D4A6-726B-843079A3A7FE}"/>
+                <a16:creationId xmlns:a16="http://schemas.microsoft.com/office/drawing/2014/main" xmlns="" id="{84125178-8C63-D4A6-726B-843079A3A7FE}"/>
               </a:ext>
             </a:extLst>
           </p:cNvPr>
@@ -682,7 +687,7 @@
           <a:p>
             <a:fld id="{578ED3BC-F869-4F0F-9A98-E3F58B4D9694}" type="datetimeFigureOut">
               <a:rPr lang="en-IN" smtClean="0"/>
-              <a:t>20-06-2024</a:t>
+              <a:t>24-06-2024</a:t>
             </a:fld>
             <a:endParaRPr lang="en-IN"/>
           </a:p>
@@ -693,7 +698,7 @@
           <p:cNvPr id="5" name="Footer Placeholder 4">
             <a:extLst>
               <a:ext uri="{FF2B5EF4-FFF2-40B4-BE49-F238E27FC236}">
-                <a16:creationId xmlns:a16="http://schemas.microsoft.com/office/drawing/2014/main" id="{D9924115-FA6B-A7FA-6025-2C8234D11CEA}"/>
+                <a16:creationId xmlns:a16="http://schemas.microsoft.com/office/drawing/2014/main" xmlns="" id="{D9924115-FA6B-A7FA-6025-2C8234D11CEA}"/>
               </a:ext>
             </a:extLst>
           </p:cNvPr>
@@ -718,7 +723,7 @@
           <p:cNvPr id="6" name="Slide Number Placeholder 5">
             <a:extLst>
               <a:ext uri="{FF2B5EF4-FFF2-40B4-BE49-F238E27FC236}">
-                <a16:creationId xmlns:a16="http://schemas.microsoft.com/office/drawing/2014/main" id="{97383CE7-7C53-4E00-831D-BCFB80D0CE58}"/>
+                <a16:creationId xmlns:a16="http://schemas.microsoft.com/office/drawing/2014/main" xmlns="" id="{97383CE7-7C53-4E00-831D-BCFB80D0CE58}"/>
               </a:ext>
             </a:extLst>
           </p:cNvPr>
@@ -777,7 +782,7 @@
           <p:cNvPr id="2" name="Title 1">
             <a:extLst>
               <a:ext uri="{FF2B5EF4-FFF2-40B4-BE49-F238E27FC236}">
-                <a16:creationId xmlns:a16="http://schemas.microsoft.com/office/drawing/2014/main" id="{88449B5D-337F-C616-A5CD-3712358C3EFD}"/>
+                <a16:creationId xmlns:a16="http://schemas.microsoft.com/office/drawing/2014/main" xmlns="" id="{88449B5D-337F-C616-A5CD-3712358C3EFD}"/>
               </a:ext>
             </a:extLst>
           </p:cNvPr>
@@ -806,7 +811,7 @@
           <p:cNvPr id="3" name="Content Placeholder 2">
             <a:extLst>
               <a:ext uri="{FF2B5EF4-FFF2-40B4-BE49-F238E27FC236}">
-                <a16:creationId xmlns:a16="http://schemas.microsoft.com/office/drawing/2014/main" id="{16D855BA-2861-EC1A-8CD2-2BC9B1BEC046}"/>
+                <a16:creationId xmlns:a16="http://schemas.microsoft.com/office/drawing/2014/main" xmlns="" id="{16D855BA-2861-EC1A-8CD2-2BC9B1BEC046}"/>
               </a:ext>
             </a:extLst>
           </p:cNvPr>
@@ -864,7 +869,7 @@
           <p:cNvPr id="4" name="Date Placeholder 3">
             <a:extLst>
               <a:ext uri="{FF2B5EF4-FFF2-40B4-BE49-F238E27FC236}">
-                <a16:creationId xmlns:a16="http://schemas.microsoft.com/office/drawing/2014/main" id="{752BCDBD-A984-755C-C030-399CAC038BA6}"/>
+                <a16:creationId xmlns:a16="http://schemas.microsoft.com/office/drawing/2014/main" xmlns="" id="{752BCDBD-A984-755C-C030-399CAC038BA6}"/>
               </a:ext>
             </a:extLst>
           </p:cNvPr>
@@ -882,7 +887,7 @@
           <a:p>
             <a:fld id="{578ED3BC-F869-4F0F-9A98-E3F58B4D9694}" type="datetimeFigureOut">
               <a:rPr lang="en-IN" smtClean="0"/>
-              <a:t>20-06-2024</a:t>
+              <a:t>24-06-2024</a:t>
             </a:fld>
             <a:endParaRPr lang="en-IN"/>
           </a:p>
@@ -893,7 +898,7 @@
           <p:cNvPr id="5" name="Footer Placeholder 4">
             <a:extLst>
               <a:ext uri="{FF2B5EF4-FFF2-40B4-BE49-F238E27FC236}">
-                <a16:creationId xmlns:a16="http://schemas.microsoft.com/office/drawing/2014/main" id="{00F34096-935C-ABED-D30E-B17EB67BE0F1}"/>
+                <a16:creationId xmlns:a16="http://schemas.microsoft.com/office/drawing/2014/main" xmlns="" id="{00F34096-935C-ABED-D30E-B17EB67BE0F1}"/>
               </a:ext>
             </a:extLst>
           </p:cNvPr>
@@ -918,7 +923,7 @@
           <p:cNvPr id="6" name="Slide Number Placeholder 5">
             <a:extLst>
               <a:ext uri="{FF2B5EF4-FFF2-40B4-BE49-F238E27FC236}">
-                <a16:creationId xmlns:a16="http://schemas.microsoft.com/office/drawing/2014/main" id="{DEF89EF3-9674-44DA-BEA3-1019D5B2F69C}"/>
+                <a16:creationId xmlns:a16="http://schemas.microsoft.com/office/drawing/2014/main" xmlns="" id="{DEF89EF3-9674-44DA-BEA3-1019D5B2F69C}"/>
               </a:ext>
             </a:extLst>
           </p:cNvPr>
@@ -977,7 +982,7 @@
           <p:cNvPr id="2" name="Title 1">
             <a:extLst>
               <a:ext uri="{FF2B5EF4-FFF2-40B4-BE49-F238E27FC236}">
-                <a16:creationId xmlns:a16="http://schemas.microsoft.com/office/drawing/2014/main" id="{EADF6926-4AB1-FCB6-2B2A-979B10E06000}"/>
+                <a16:creationId xmlns:a16="http://schemas.microsoft.com/office/drawing/2014/main" xmlns="" id="{EADF6926-4AB1-FCB6-2B2A-979B10E06000}"/>
               </a:ext>
             </a:extLst>
           </p:cNvPr>
@@ -1015,7 +1020,7 @@
           <p:cNvPr id="3" name="Text Placeholder 2">
             <a:extLst>
               <a:ext uri="{FF2B5EF4-FFF2-40B4-BE49-F238E27FC236}">
-                <a16:creationId xmlns:a16="http://schemas.microsoft.com/office/drawing/2014/main" id="{19E09E95-631C-DF44-A1C9-A924AD5048B3}"/>
+                <a16:creationId xmlns:a16="http://schemas.microsoft.com/office/drawing/2014/main" xmlns="" id="{19E09E95-631C-DF44-A1C9-A924AD5048B3}"/>
               </a:ext>
             </a:extLst>
           </p:cNvPr>
@@ -1140,7 +1145,7 @@
           <p:cNvPr id="4" name="Date Placeholder 3">
             <a:extLst>
               <a:ext uri="{FF2B5EF4-FFF2-40B4-BE49-F238E27FC236}">
-                <a16:creationId xmlns:a16="http://schemas.microsoft.com/office/drawing/2014/main" id="{5A35D5C9-DF17-2EE0-4330-CF5EDF454719}"/>
+                <a16:creationId xmlns:a16="http://schemas.microsoft.com/office/drawing/2014/main" xmlns="" id="{5A35D5C9-DF17-2EE0-4330-CF5EDF454719}"/>
               </a:ext>
             </a:extLst>
           </p:cNvPr>
@@ -1158,7 +1163,7 @@
           <a:p>
             <a:fld id="{578ED3BC-F869-4F0F-9A98-E3F58B4D9694}" type="datetimeFigureOut">
               <a:rPr lang="en-IN" smtClean="0"/>
-              <a:t>20-06-2024</a:t>
+              <a:t>24-06-2024</a:t>
             </a:fld>
             <a:endParaRPr lang="en-IN"/>
           </a:p>
@@ -1169,7 +1174,7 @@
           <p:cNvPr id="5" name="Footer Placeholder 4">
             <a:extLst>
               <a:ext uri="{FF2B5EF4-FFF2-40B4-BE49-F238E27FC236}">
-                <a16:creationId xmlns:a16="http://schemas.microsoft.com/office/drawing/2014/main" id="{9B456D7A-33E0-0400-C85A-3FFCE451AAFD}"/>
+                <a16:creationId xmlns:a16="http://schemas.microsoft.com/office/drawing/2014/main" xmlns="" id="{9B456D7A-33E0-0400-C85A-3FFCE451AAFD}"/>
               </a:ext>
             </a:extLst>
           </p:cNvPr>
@@ -1194,7 +1199,7 @@
           <p:cNvPr id="6" name="Slide Number Placeholder 5">
             <a:extLst>
               <a:ext uri="{FF2B5EF4-FFF2-40B4-BE49-F238E27FC236}">
-                <a16:creationId xmlns:a16="http://schemas.microsoft.com/office/drawing/2014/main" id="{4BD8A594-4EE9-2C40-D02A-D7B422160E4A}"/>
+                <a16:creationId xmlns:a16="http://schemas.microsoft.com/office/drawing/2014/main" xmlns="" id="{4BD8A594-4EE9-2C40-D02A-D7B422160E4A}"/>
               </a:ext>
             </a:extLst>
           </p:cNvPr>
@@ -1253,7 +1258,7 @@
           <p:cNvPr id="2" name="Title 1">
             <a:extLst>
               <a:ext uri="{FF2B5EF4-FFF2-40B4-BE49-F238E27FC236}">
-                <a16:creationId xmlns:a16="http://schemas.microsoft.com/office/drawing/2014/main" id="{47BEE190-A7FA-51CA-F10D-B2DD9E9A93EF}"/>
+                <a16:creationId xmlns:a16="http://schemas.microsoft.com/office/drawing/2014/main" xmlns="" id="{47BEE190-A7FA-51CA-F10D-B2DD9E9A93EF}"/>
               </a:ext>
             </a:extLst>
           </p:cNvPr>
@@ -1282,7 +1287,7 @@
           <p:cNvPr id="3" name="Content Placeholder 2">
             <a:extLst>
               <a:ext uri="{FF2B5EF4-FFF2-40B4-BE49-F238E27FC236}">
-                <a16:creationId xmlns:a16="http://schemas.microsoft.com/office/drawing/2014/main" id="{332C9273-B346-4984-7B04-5FEA969852F6}"/>
+                <a16:creationId xmlns:a16="http://schemas.microsoft.com/office/drawing/2014/main" xmlns="" id="{332C9273-B346-4984-7B04-5FEA969852F6}"/>
               </a:ext>
             </a:extLst>
           </p:cNvPr>
@@ -1345,7 +1350,7 @@
           <p:cNvPr id="4" name="Content Placeholder 3">
             <a:extLst>
               <a:ext uri="{FF2B5EF4-FFF2-40B4-BE49-F238E27FC236}">
-                <a16:creationId xmlns:a16="http://schemas.microsoft.com/office/drawing/2014/main" id="{4948506E-478C-AB62-042A-49E201534DF4}"/>
+                <a16:creationId xmlns:a16="http://schemas.microsoft.com/office/drawing/2014/main" xmlns="" id="{4948506E-478C-AB62-042A-49E201534DF4}"/>
               </a:ext>
             </a:extLst>
           </p:cNvPr>
@@ -1408,7 +1413,7 @@
           <p:cNvPr id="5" name="Date Placeholder 4">
             <a:extLst>
               <a:ext uri="{FF2B5EF4-FFF2-40B4-BE49-F238E27FC236}">
-                <a16:creationId xmlns:a16="http://schemas.microsoft.com/office/drawing/2014/main" id="{4EDC9E1B-B08E-6400-85CC-A86A654015EB}"/>
+                <a16:creationId xmlns:a16="http://schemas.microsoft.com/office/drawing/2014/main" xmlns="" id="{4EDC9E1B-B08E-6400-85CC-A86A654015EB}"/>
               </a:ext>
             </a:extLst>
           </p:cNvPr>
@@ -1426,7 +1431,7 @@
           <a:p>
             <a:fld id="{578ED3BC-F869-4F0F-9A98-E3F58B4D9694}" type="datetimeFigureOut">
               <a:rPr lang="en-IN" smtClean="0"/>
-              <a:t>20-06-2024</a:t>
+              <a:t>24-06-2024</a:t>
             </a:fld>
             <a:endParaRPr lang="en-IN"/>
           </a:p>
@@ -1437,7 +1442,7 @@
           <p:cNvPr id="6" name="Footer Placeholder 5">
             <a:extLst>
               <a:ext uri="{FF2B5EF4-FFF2-40B4-BE49-F238E27FC236}">
-                <a16:creationId xmlns:a16="http://schemas.microsoft.com/office/drawing/2014/main" id="{F117485E-87CF-8BD9-A339-008A2A67CB7C}"/>
+                <a16:creationId xmlns:a16="http://schemas.microsoft.com/office/drawing/2014/main" xmlns="" id="{F117485E-87CF-8BD9-A339-008A2A67CB7C}"/>
               </a:ext>
             </a:extLst>
           </p:cNvPr>
@@ -1462,7 +1467,7 @@
           <p:cNvPr id="7" name="Slide Number Placeholder 6">
             <a:extLst>
               <a:ext uri="{FF2B5EF4-FFF2-40B4-BE49-F238E27FC236}">
-                <a16:creationId xmlns:a16="http://schemas.microsoft.com/office/drawing/2014/main" id="{B862F57E-428B-E0F9-E128-47CE34FAB528}"/>
+                <a16:creationId xmlns:a16="http://schemas.microsoft.com/office/drawing/2014/main" xmlns="" id="{B862F57E-428B-E0F9-E128-47CE34FAB528}"/>
               </a:ext>
             </a:extLst>
           </p:cNvPr>
@@ -1521,7 +1526,7 @@
           <p:cNvPr id="2" name="Title 1">
             <a:extLst>
               <a:ext uri="{FF2B5EF4-FFF2-40B4-BE49-F238E27FC236}">
-                <a16:creationId xmlns:a16="http://schemas.microsoft.com/office/drawing/2014/main" id="{F53D7776-F5D5-B1C8-C2FA-991DB6A8719B}"/>
+                <a16:creationId xmlns:a16="http://schemas.microsoft.com/office/drawing/2014/main" xmlns="" id="{F53D7776-F5D5-B1C8-C2FA-991DB6A8719B}"/>
               </a:ext>
             </a:extLst>
           </p:cNvPr>
@@ -1555,7 +1560,7 @@
           <p:cNvPr id="3" name="Text Placeholder 2">
             <a:extLst>
               <a:ext uri="{FF2B5EF4-FFF2-40B4-BE49-F238E27FC236}">
-                <a16:creationId xmlns:a16="http://schemas.microsoft.com/office/drawing/2014/main" id="{C1562824-1DD4-FD91-CBFB-BA54780E2A25}"/>
+                <a16:creationId xmlns:a16="http://schemas.microsoft.com/office/drawing/2014/main" xmlns="" id="{C1562824-1DD4-FD91-CBFB-BA54780E2A25}"/>
               </a:ext>
             </a:extLst>
           </p:cNvPr>
@@ -1626,7 +1631,7 @@
           <p:cNvPr id="4" name="Content Placeholder 3">
             <a:extLst>
               <a:ext uri="{FF2B5EF4-FFF2-40B4-BE49-F238E27FC236}">
-                <a16:creationId xmlns:a16="http://schemas.microsoft.com/office/drawing/2014/main" id="{9E1D5E98-3304-1D1A-3544-AD70D45DF70A}"/>
+                <a16:creationId xmlns:a16="http://schemas.microsoft.com/office/drawing/2014/main" xmlns="" id="{9E1D5E98-3304-1D1A-3544-AD70D45DF70A}"/>
               </a:ext>
             </a:extLst>
           </p:cNvPr>
@@ -1689,7 +1694,7 @@
           <p:cNvPr id="5" name="Text Placeholder 4">
             <a:extLst>
               <a:ext uri="{FF2B5EF4-FFF2-40B4-BE49-F238E27FC236}">
-                <a16:creationId xmlns:a16="http://schemas.microsoft.com/office/drawing/2014/main" id="{8E92B2C3-7950-8AB2-BF69-4D1F38325953}"/>
+                <a16:creationId xmlns:a16="http://schemas.microsoft.com/office/drawing/2014/main" xmlns="" id="{8E92B2C3-7950-8AB2-BF69-4D1F38325953}"/>
               </a:ext>
             </a:extLst>
           </p:cNvPr>
@@ -1760,7 +1765,7 @@
           <p:cNvPr id="6" name="Content Placeholder 5">
             <a:extLst>
               <a:ext uri="{FF2B5EF4-FFF2-40B4-BE49-F238E27FC236}">
-                <a16:creationId xmlns:a16="http://schemas.microsoft.com/office/drawing/2014/main" id="{B82EBEF3-E2A1-205E-010E-08CDFB8E23A6}"/>
+                <a16:creationId xmlns:a16="http://schemas.microsoft.com/office/drawing/2014/main" xmlns="" id="{B82EBEF3-E2A1-205E-010E-08CDFB8E23A6}"/>
               </a:ext>
             </a:extLst>
           </p:cNvPr>
@@ -1823,7 +1828,7 @@
           <p:cNvPr id="7" name="Date Placeholder 6">
             <a:extLst>
               <a:ext uri="{FF2B5EF4-FFF2-40B4-BE49-F238E27FC236}">
-                <a16:creationId xmlns:a16="http://schemas.microsoft.com/office/drawing/2014/main" id="{A79BD3EA-C16B-4BAC-1323-58D5D38BCD02}"/>
+                <a16:creationId xmlns:a16="http://schemas.microsoft.com/office/drawing/2014/main" xmlns="" id="{A79BD3EA-C16B-4BAC-1323-58D5D38BCD02}"/>
               </a:ext>
             </a:extLst>
           </p:cNvPr>
@@ -1841,7 +1846,7 @@
           <a:p>
             <a:fld id="{578ED3BC-F869-4F0F-9A98-E3F58B4D9694}" type="datetimeFigureOut">
               <a:rPr lang="en-IN" smtClean="0"/>
-              <a:t>20-06-2024</a:t>
+              <a:t>24-06-2024</a:t>
             </a:fld>
             <a:endParaRPr lang="en-IN"/>
           </a:p>
@@ -1852,7 +1857,7 @@
           <p:cNvPr id="8" name="Footer Placeholder 7">
             <a:extLst>
               <a:ext uri="{FF2B5EF4-FFF2-40B4-BE49-F238E27FC236}">
-                <a16:creationId xmlns:a16="http://schemas.microsoft.com/office/drawing/2014/main" id="{058CBAEC-548C-9FF5-CA25-C1B9DE851ED4}"/>
+                <a16:creationId xmlns:a16="http://schemas.microsoft.com/office/drawing/2014/main" xmlns="" id="{058CBAEC-548C-9FF5-CA25-C1B9DE851ED4}"/>
               </a:ext>
             </a:extLst>
           </p:cNvPr>
@@ -1877,7 +1882,7 @@
           <p:cNvPr id="9" name="Slide Number Placeholder 8">
             <a:extLst>
               <a:ext uri="{FF2B5EF4-FFF2-40B4-BE49-F238E27FC236}">
-                <a16:creationId xmlns:a16="http://schemas.microsoft.com/office/drawing/2014/main" id="{98716DE8-F048-6278-AB31-4E25C462562A}"/>
+                <a16:creationId xmlns:a16="http://schemas.microsoft.com/office/drawing/2014/main" xmlns="" id="{98716DE8-F048-6278-AB31-4E25C462562A}"/>
               </a:ext>
             </a:extLst>
           </p:cNvPr>
@@ -1936,7 +1941,7 @@
           <p:cNvPr id="2" name="Title 1">
             <a:extLst>
               <a:ext uri="{FF2B5EF4-FFF2-40B4-BE49-F238E27FC236}">
-                <a16:creationId xmlns:a16="http://schemas.microsoft.com/office/drawing/2014/main" id="{A0B465E3-11A8-AA86-4432-EACEFA5130BA}"/>
+                <a16:creationId xmlns:a16="http://schemas.microsoft.com/office/drawing/2014/main" xmlns="" id="{A0B465E3-11A8-AA86-4432-EACEFA5130BA}"/>
               </a:ext>
             </a:extLst>
           </p:cNvPr>
@@ -1965,7 +1970,7 @@
           <p:cNvPr id="3" name="Date Placeholder 2">
             <a:extLst>
               <a:ext uri="{FF2B5EF4-FFF2-40B4-BE49-F238E27FC236}">
-                <a16:creationId xmlns:a16="http://schemas.microsoft.com/office/drawing/2014/main" id="{C578F46C-D93D-F9C0-A29E-5864B73DE8F6}"/>
+                <a16:creationId xmlns:a16="http://schemas.microsoft.com/office/drawing/2014/main" xmlns="" id="{C578F46C-D93D-F9C0-A29E-5864B73DE8F6}"/>
               </a:ext>
             </a:extLst>
           </p:cNvPr>
@@ -1983,7 +1988,7 @@
           <a:p>
             <a:fld id="{578ED3BC-F869-4F0F-9A98-E3F58B4D9694}" type="datetimeFigureOut">
               <a:rPr lang="en-IN" smtClean="0"/>
-              <a:t>20-06-2024</a:t>
+              <a:t>24-06-2024</a:t>
             </a:fld>
             <a:endParaRPr lang="en-IN"/>
           </a:p>
@@ -1994,7 +1999,7 @@
           <p:cNvPr id="4" name="Footer Placeholder 3">
             <a:extLst>
               <a:ext uri="{FF2B5EF4-FFF2-40B4-BE49-F238E27FC236}">
-                <a16:creationId xmlns:a16="http://schemas.microsoft.com/office/drawing/2014/main" id="{9B8A103A-D507-6814-0BCC-87375EC13C4D}"/>
+                <a16:creationId xmlns:a16="http://schemas.microsoft.com/office/drawing/2014/main" xmlns="" id="{9B8A103A-D507-6814-0BCC-87375EC13C4D}"/>
               </a:ext>
             </a:extLst>
           </p:cNvPr>
@@ -2019,7 +2024,7 @@
           <p:cNvPr id="5" name="Slide Number Placeholder 4">
             <a:extLst>
               <a:ext uri="{FF2B5EF4-FFF2-40B4-BE49-F238E27FC236}">
-                <a16:creationId xmlns:a16="http://schemas.microsoft.com/office/drawing/2014/main" id="{4B5E6827-CC5B-54EB-D600-94E6C15C5AFB}"/>
+                <a16:creationId xmlns:a16="http://schemas.microsoft.com/office/drawing/2014/main" xmlns="" id="{4B5E6827-CC5B-54EB-D600-94E6C15C5AFB}"/>
               </a:ext>
             </a:extLst>
           </p:cNvPr>
@@ -2078,7 +2083,7 @@
           <p:cNvPr id="2" name="Date Placeholder 1">
             <a:extLst>
               <a:ext uri="{FF2B5EF4-FFF2-40B4-BE49-F238E27FC236}">
-                <a16:creationId xmlns:a16="http://schemas.microsoft.com/office/drawing/2014/main" id="{19792C55-A8BA-AFC4-650F-128B23850E6A}"/>
+                <a16:creationId xmlns:a16="http://schemas.microsoft.com/office/drawing/2014/main" xmlns="" id="{19792C55-A8BA-AFC4-650F-128B23850E6A}"/>
               </a:ext>
             </a:extLst>
           </p:cNvPr>
@@ -2096,7 +2101,7 @@
           <a:p>
             <a:fld id="{578ED3BC-F869-4F0F-9A98-E3F58B4D9694}" type="datetimeFigureOut">
               <a:rPr lang="en-IN" smtClean="0"/>
-              <a:t>20-06-2024</a:t>
+              <a:t>24-06-2024</a:t>
             </a:fld>
             <a:endParaRPr lang="en-IN"/>
           </a:p>
@@ -2107,7 +2112,7 @@
           <p:cNvPr id="3" name="Footer Placeholder 2">
             <a:extLst>
               <a:ext uri="{FF2B5EF4-FFF2-40B4-BE49-F238E27FC236}">
-                <a16:creationId xmlns:a16="http://schemas.microsoft.com/office/drawing/2014/main" id="{139F9EFC-75C6-4F9E-9E8A-533ABBAFA323}"/>
+                <a16:creationId xmlns:a16="http://schemas.microsoft.com/office/drawing/2014/main" xmlns="" id="{139F9EFC-75C6-4F9E-9E8A-533ABBAFA323}"/>
               </a:ext>
             </a:extLst>
           </p:cNvPr>
@@ -2132,7 +2137,7 @@
           <p:cNvPr id="4" name="Slide Number Placeholder 3">
             <a:extLst>
               <a:ext uri="{FF2B5EF4-FFF2-40B4-BE49-F238E27FC236}">
-                <a16:creationId xmlns:a16="http://schemas.microsoft.com/office/drawing/2014/main" id="{ADA6EA59-8524-AECA-75BF-04534A5B68D5}"/>
+                <a16:creationId xmlns:a16="http://schemas.microsoft.com/office/drawing/2014/main" xmlns="" id="{ADA6EA59-8524-AECA-75BF-04534A5B68D5}"/>
               </a:ext>
             </a:extLst>
           </p:cNvPr>
@@ -2191,7 +2196,7 @@
           <p:cNvPr id="2" name="Title 1">
             <a:extLst>
               <a:ext uri="{FF2B5EF4-FFF2-40B4-BE49-F238E27FC236}">
-                <a16:creationId xmlns:a16="http://schemas.microsoft.com/office/drawing/2014/main" id="{E9DC3C9B-5FDB-F169-F34E-A752AA038303}"/>
+                <a16:creationId xmlns:a16="http://schemas.microsoft.com/office/drawing/2014/main" xmlns="" id="{E9DC3C9B-5FDB-F169-F34E-A752AA038303}"/>
               </a:ext>
             </a:extLst>
           </p:cNvPr>
@@ -2229,7 +2234,7 @@
           <p:cNvPr id="3" name="Content Placeholder 2">
             <a:extLst>
               <a:ext uri="{FF2B5EF4-FFF2-40B4-BE49-F238E27FC236}">
-                <a16:creationId xmlns:a16="http://schemas.microsoft.com/office/drawing/2014/main" id="{CB5141B9-DC64-B8B8-D363-7BD8A0C76D9E}"/>
+                <a16:creationId xmlns:a16="http://schemas.microsoft.com/office/drawing/2014/main" xmlns="" id="{CB5141B9-DC64-B8B8-D363-7BD8A0C76D9E}"/>
               </a:ext>
             </a:extLst>
           </p:cNvPr>
@@ -2320,7 +2325,7 @@
           <p:cNvPr id="4" name="Text Placeholder 3">
             <a:extLst>
               <a:ext uri="{FF2B5EF4-FFF2-40B4-BE49-F238E27FC236}">
-                <a16:creationId xmlns:a16="http://schemas.microsoft.com/office/drawing/2014/main" id="{35D7833F-25B1-FD11-C152-04E7A4C52D60}"/>
+                <a16:creationId xmlns:a16="http://schemas.microsoft.com/office/drawing/2014/main" xmlns="" id="{35D7833F-25B1-FD11-C152-04E7A4C52D60}"/>
               </a:ext>
             </a:extLst>
           </p:cNvPr>
@@ -2391,7 +2396,7 @@
           <p:cNvPr id="5" name="Date Placeholder 4">
             <a:extLst>
               <a:ext uri="{FF2B5EF4-FFF2-40B4-BE49-F238E27FC236}">
-                <a16:creationId xmlns:a16="http://schemas.microsoft.com/office/drawing/2014/main" id="{4489190E-89FD-7B99-AA15-0C1424C5A824}"/>
+                <a16:creationId xmlns:a16="http://schemas.microsoft.com/office/drawing/2014/main" xmlns="" id="{4489190E-89FD-7B99-AA15-0C1424C5A824}"/>
               </a:ext>
             </a:extLst>
           </p:cNvPr>
@@ -2409,7 +2414,7 @@
           <a:p>
             <a:fld id="{578ED3BC-F869-4F0F-9A98-E3F58B4D9694}" type="datetimeFigureOut">
               <a:rPr lang="en-IN" smtClean="0"/>
-              <a:t>20-06-2024</a:t>
+              <a:t>24-06-2024</a:t>
             </a:fld>
             <a:endParaRPr lang="en-IN"/>
           </a:p>
@@ -2420,7 +2425,7 @@
           <p:cNvPr id="6" name="Footer Placeholder 5">
             <a:extLst>
               <a:ext uri="{FF2B5EF4-FFF2-40B4-BE49-F238E27FC236}">
-                <a16:creationId xmlns:a16="http://schemas.microsoft.com/office/drawing/2014/main" id="{EFA375BC-51BB-DECB-64A1-E4FF41AF9218}"/>
+                <a16:creationId xmlns:a16="http://schemas.microsoft.com/office/drawing/2014/main" xmlns="" id="{EFA375BC-51BB-DECB-64A1-E4FF41AF9218}"/>
               </a:ext>
             </a:extLst>
           </p:cNvPr>
@@ -2445,7 +2450,7 @@
           <p:cNvPr id="7" name="Slide Number Placeholder 6">
             <a:extLst>
               <a:ext uri="{FF2B5EF4-FFF2-40B4-BE49-F238E27FC236}">
-                <a16:creationId xmlns:a16="http://schemas.microsoft.com/office/drawing/2014/main" id="{8ED8A7F5-9E53-40E8-65CA-FB9F793E2D83}"/>
+                <a16:creationId xmlns:a16="http://schemas.microsoft.com/office/drawing/2014/main" xmlns="" id="{8ED8A7F5-9E53-40E8-65CA-FB9F793E2D83}"/>
               </a:ext>
             </a:extLst>
           </p:cNvPr>
@@ -2504,7 +2509,7 @@
           <p:cNvPr id="2" name="Title 1">
             <a:extLst>
               <a:ext uri="{FF2B5EF4-FFF2-40B4-BE49-F238E27FC236}">
-                <a16:creationId xmlns:a16="http://schemas.microsoft.com/office/drawing/2014/main" id="{FC4FD899-A5DD-D034-185E-A68400DB6F29}"/>
+                <a16:creationId xmlns:a16="http://schemas.microsoft.com/office/drawing/2014/main" xmlns="" id="{FC4FD899-A5DD-D034-185E-A68400DB6F29}"/>
               </a:ext>
             </a:extLst>
           </p:cNvPr>
@@ -2542,7 +2547,7 @@
           <p:cNvPr id="3" name="Picture Placeholder 2">
             <a:extLst>
               <a:ext uri="{FF2B5EF4-FFF2-40B4-BE49-F238E27FC236}">
-                <a16:creationId xmlns:a16="http://schemas.microsoft.com/office/drawing/2014/main" id="{09E04DD9-02CD-36E7-CA19-6F78A6761A7E}"/>
+                <a16:creationId xmlns:a16="http://schemas.microsoft.com/office/drawing/2014/main" xmlns="" id="{09E04DD9-02CD-36E7-CA19-6F78A6761A7E}"/>
               </a:ext>
             </a:extLst>
           </p:cNvPr>
@@ -2609,7 +2614,7 @@
           <p:cNvPr id="4" name="Text Placeholder 3">
             <a:extLst>
               <a:ext uri="{FF2B5EF4-FFF2-40B4-BE49-F238E27FC236}">
-                <a16:creationId xmlns:a16="http://schemas.microsoft.com/office/drawing/2014/main" id="{E54DD1AF-D471-3D31-1B31-2A805C1FDD78}"/>
+                <a16:creationId xmlns:a16="http://schemas.microsoft.com/office/drawing/2014/main" xmlns="" id="{E54DD1AF-D471-3D31-1B31-2A805C1FDD78}"/>
               </a:ext>
             </a:extLst>
           </p:cNvPr>
@@ -2680,7 +2685,7 @@
           <p:cNvPr id="5" name="Date Placeholder 4">
             <a:extLst>
               <a:ext uri="{FF2B5EF4-FFF2-40B4-BE49-F238E27FC236}">
-                <a16:creationId xmlns:a16="http://schemas.microsoft.com/office/drawing/2014/main" id="{B28BACA6-D587-A350-76F9-08D9A1217CB5}"/>
+                <a16:creationId xmlns:a16="http://schemas.microsoft.com/office/drawing/2014/main" xmlns="" id="{B28BACA6-D587-A350-76F9-08D9A1217CB5}"/>
               </a:ext>
             </a:extLst>
           </p:cNvPr>
@@ -2698,7 +2703,7 @@
           <a:p>
             <a:fld id="{578ED3BC-F869-4F0F-9A98-E3F58B4D9694}" type="datetimeFigureOut">
               <a:rPr lang="en-IN" smtClean="0"/>
-              <a:t>20-06-2024</a:t>
+              <a:t>24-06-2024</a:t>
             </a:fld>
             <a:endParaRPr lang="en-IN"/>
           </a:p>
@@ -2709,7 +2714,7 @@
           <p:cNvPr id="6" name="Footer Placeholder 5">
             <a:extLst>
               <a:ext uri="{FF2B5EF4-FFF2-40B4-BE49-F238E27FC236}">
-                <a16:creationId xmlns:a16="http://schemas.microsoft.com/office/drawing/2014/main" id="{E683277E-2F57-90C1-2A6C-9031B48252C9}"/>
+                <a16:creationId xmlns:a16="http://schemas.microsoft.com/office/drawing/2014/main" xmlns="" id="{E683277E-2F57-90C1-2A6C-9031B48252C9}"/>
               </a:ext>
             </a:extLst>
           </p:cNvPr>
@@ -2734,7 +2739,7 @@
           <p:cNvPr id="7" name="Slide Number Placeholder 6">
             <a:extLst>
               <a:ext uri="{FF2B5EF4-FFF2-40B4-BE49-F238E27FC236}">
-                <a16:creationId xmlns:a16="http://schemas.microsoft.com/office/drawing/2014/main" id="{87F841F4-5AD0-41CA-81B0-43FB0851F0B3}"/>
+                <a16:creationId xmlns:a16="http://schemas.microsoft.com/office/drawing/2014/main" xmlns="" id="{87F841F4-5AD0-41CA-81B0-43FB0851F0B3}"/>
               </a:ext>
             </a:extLst>
           </p:cNvPr>
@@ -2798,7 +2803,7 @@
           <p:cNvPr id="2" name="Title Placeholder 1">
             <a:extLst>
               <a:ext uri="{FF2B5EF4-FFF2-40B4-BE49-F238E27FC236}">
-                <a16:creationId xmlns:a16="http://schemas.microsoft.com/office/drawing/2014/main" id="{83CBD466-7BC9-BC3B-FB6B-B05457AA9738}"/>
+                <a16:creationId xmlns:a16="http://schemas.microsoft.com/office/drawing/2014/main" xmlns="" id="{83CBD466-7BC9-BC3B-FB6B-B05457AA9738}"/>
               </a:ext>
             </a:extLst>
           </p:cNvPr>
@@ -2837,7 +2842,7 @@
           <p:cNvPr id="3" name="Text Placeholder 2">
             <a:extLst>
               <a:ext uri="{FF2B5EF4-FFF2-40B4-BE49-F238E27FC236}">
-                <a16:creationId xmlns:a16="http://schemas.microsoft.com/office/drawing/2014/main" id="{1385CC5D-DD8E-CE8D-4E59-ED0B3C1576D7}"/>
+                <a16:creationId xmlns:a16="http://schemas.microsoft.com/office/drawing/2014/main" xmlns="" id="{1385CC5D-DD8E-CE8D-4E59-ED0B3C1576D7}"/>
               </a:ext>
             </a:extLst>
           </p:cNvPr>
@@ -2905,7 +2910,7 @@
           <p:cNvPr id="4" name="Date Placeholder 3">
             <a:extLst>
               <a:ext uri="{FF2B5EF4-FFF2-40B4-BE49-F238E27FC236}">
-                <a16:creationId xmlns:a16="http://schemas.microsoft.com/office/drawing/2014/main" id="{7F832C5E-5EE7-C4A5-DF39-5B2F3D67BED0}"/>
+                <a16:creationId xmlns:a16="http://schemas.microsoft.com/office/drawing/2014/main" xmlns="" id="{7F832C5E-5EE7-C4A5-DF39-5B2F3D67BED0}"/>
               </a:ext>
             </a:extLst>
           </p:cNvPr>
@@ -2941,7 +2946,7 @@
           <a:p>
             <a:fld id="{578ED3BC-F869-4F0F-9A98-E3F58B4D9694}" type="datetimeFigureOut">
               <a:rPr lang="en-IN" smtClean="0"/>
-              <a:t>20-06-2024</a:t>
+              <a:t>24-06-2024</a:t>
             </a:fld>
             <a:endParaRPr lang="en-IN"/>
           </a:p>
@@ -2952,7 +2957,7 @@
           <p:cNvPr id="5" name="Footer Placeholder 4">
             <a:extLst>
               <a:ext uri="{FF2B5EF4-FFF2-40B4-BE49-F238E27FC236}">
-                <a16:creationId xmlns:a16="http://schemas.microsoft.com/office/drawing/2014/main" id="{24514017-289B-FDD5-7F58-495A60411362}"/>
+                <a16:creationId xmlns:a16="http://schemas.microsoft.com/office/drawing/2014/main" xmlns="" id="{24514017-289B-FDD5-7F58-495A60411362}"/>
               </a:ext>
             </a:extLst>
           </p:cNvPr>
@@ -2995,7 +3000,7 @@
           <p:cNvPr id="6" name="Slide Number Placeholder 5">
             <a:extLst>
               <a:ext uri="{FF2B5EF4-FFF2-40B4-BE49-F238E27FC236}">
-                <a16:creationId xmlns:a16="http://schemas.microsoft.com/office/drawing/2014/main" id="{532B5732-2983-0CAC-036A-7D5925F6DEB3}"/>
+                <a16:creationId xmlns:a16="http://schemas.microsoft.com/office/drawing/2014/main" xmlns="" id="{532B5732-2983-0CAC-036A-7D5925F6DEB3}"/>
               </a:ext>
             </a:extLst>
           </p:cNvPr>
@@ -3363,7 +3368,7 @@
           <p:cNvPr id="2" name="Title 1">
             <a:extLst>
               <a:ext uri="{FF2B5EF4-FFF2-40B4-BE49-F238E27FC236}">
-                <a16:creationId xmlns:a16="http://schemas.microsoft.com/office/drawing/2014/main" id="{55BCD6B6-E808-0BBA-D773-0BE9D19317C1}"/>
+                <a16:creationId xmlns:a16="http://schemas.microsoft.com/office/drawing/2014/main" xmlns="" id="{55BCD6B6-E808-0BBA-D773-0BE9D19317C1}"/>
               </a:ext>
             </a:extLst>
           </p:cNvPr>
@@ -3422,7 +3427,7 @@
           <p:cNvPr id="2" name="Title 1">
             <a:extLst>
               <a:ext uri="{FF2B5EF4-FFF2-40B4-BE49-F238E27FC236}">
-                <a16:creationId xmlns:a16="http://schemas.microsoft.com/office/drawing/2014/main" id="{4572E215-388E-9B7B-7AD5-FBA1B355AACE}"/>
+                <a16:creationId xmlns:a16="http://schemas.microsoft.com/office/drawing/2014/main" xmlns="" id="{4572E215-388E-9B7B-7AD5-FBA1B355AACE}"/>
               </a:ext>
             </a:extLst>
           </p:cNvPr>
@@ -3451,7 +3456,7 @@
           <p:cNvPr id="3" name="Content Placeholder 2">
             <a:extLst>
               <a:ext uri="{FF2B5EF4-FFF2-40B4-BE49-F238E27FC236}">
-                <a16:creationId xmlns:a16="http://schemas.microsoft.com/office/drawing/2014/main" id="{BEB5C4C7-B8A5-0A18-CC69-884590BD5603}"/>
+                <a16:creationId xmlns:a16="http://schemas.microsoft.com/office/drawing/2014/main" xmlns="" id="{BEB5C4C7-B8A5-0A18-CC69-884590BD5603}"/>
               </a:ext>
             </a:extLst>
           </p:cNvPr>
@@ -3471,48 +3476,69 @@
               <a:buNone/>
             </a:pPr>
             <a:r>
-              <a:rPr lang="en-US"/>
-              <a:t>Comes from Object class: java.lang.Object</a:t>
-            </a:r>
-          </a:p>
-          <a:p>
-            <a:pPr marL="0" indent="0">
-              <a:buNone/>
-            </a:pPr>
-            <a:endParaRPr lang="en-US"/>
-          </a:p>
-          <a:p>
-            <a:pPr marL="0" indent="0">
-              <a:buNone/>
-            </a:pPr>
-            <a:r>
-              <a:rPr lang="en-US"/>
+              <a:rPr lang="en-US" dirty="0"/>
+              <a:t>Comes from Object class: </a:t>
+            </a:r>
+            <a:r>
+              <a:rPr lang="en-US" dirty="0" err="1"/>
+              <a:t>java.lang.Object</a:t>
+            </a:r>
+            <a:endParaRPr lang="en-US" dirty="0"/>
+          </a:p>
+          <a:p>
+            <a:pPr marL="0" indent="0">
+              <a:buNone/>
+            </a:pPr>
+            <a:endParaRPr lang="en-US" dirty="0"/>
+          </a:p>
+          <a:p>
+            <a:pPr marL="0" indent="0">
+              <a:buNone/>
+            </a:pPr>
+            <a:r>
+              <a:rPr lang="en-US" dirty="0"/>
               <a:t> public </a:t>
             </a:r>
             <a:r>
-              <a:rPr lang="en-US" b="1"/>
+              <a:rPr lang="en-US" b="1" dirty="0" err="1"/>
               <a:t>boolean</a:t>
             </a:r>
             <a:r>
-              <a:rPr lang="en-US"/>
-              <a:t> equals(Object param){</a:t>
-            </a:r>
-          </a:p>
-          <a:p>
-            <a:pPr marL="0" indent="0">
-              <a:buNone/>
-            </a:pPr>
-            <a:r>
-              <a:rPr lang="en-US"/>
-              <a:t>    return this == param;</a:t>
-            </a:r>
-          </a:p>
-          <a:p>
-            <a:pPr marL="0" indent="0">
-              <a:buNone/>
-            </a:pPr>
-            <a:r>
-              <a:rPr lang="en-US"/>
+              <a:rPr lang="en-US" dirty="0"/>
+              <a:t> equals(Object </a:t>
+            </a:r>
+            <a:r>
+              <a:rPr lang="en-US" dirty="0" err="1"/>
+              <a:t>param</a:t>
+            </a:r>
+            <a:r>
+              <a:rPr lang="en-US" dirty="0"/>
+              <a:t>){</a:t>
+            </a:r>
+          </a:p>
+          <a:p>
+            <a:pPr marL="0" indent="0">
+              <a:buNone/>
+            </a:pPr>
+            <a:r>
+              <a:rPr lang="en-US" dirty="0"/>
+              <a:t>    return this == </a:t>
+            </a:r>
+            <a:r>
+              <a:rPr lang="en-US" dirty="0" err="1"/>
+              <a:t>param</a:t>
+            </a:r>
+            <a:r>
+              <a:rPr lang="en-US" dirty="0"/>
+              <a:t>;</a:t>
+            </a:r>
+          </a:p>
+          <a:p>
+            <a:pPr marL="0" indent="0">
+              <a:buNone/>
+            </a:pPr>
+            <a:r>
+              <a:rPr lang="en-US" dirty="0"/>
               <a:t> }</a:t>
             </a:r>
           </a:p>
@@ -3520,22 +3546,27 @@
             <a:pPr marL="0" indent="0">
               <a:buNone/>
             </a:pPr>
-            <a:endParaRPr lang="en-US"/>
-          </a:p>
-          <a:p>
-            <a:pPr marL="0" indent="0">
-              <a:buNone/>
-            </a:pPr>
-            <a:r>
-              <a:rPr lang="en-US"/>
-              <a:t> return type is boolean</a:t>
-            </a:r>
-          </a:p>
-          <a:p>
-            <a:pPr marL="0" indent="0">
-              <a:buNone/>
-            </a:pPr>
-            <a:endParaRPr lang="en-IN"/>
+            <a:endParaRPr lang="en-US" dirty="0"/>
+          </a:p>
+          <a:p>
+            <a:pPr marL="0" indent="0">
+              <a:buNone/>
+            </a:pPr>
+            <a:r>
+              <a:rPr lang="en-US" dirty="0"/>
+              <a:t> return type is </a:t>
+            </a:r>
+            <a:r>
+              <a:rPr lang="en-US" dirty="0" err="1"/>
+              <a:t>boolean</a:t>
+            </a:r>
+            <a:endParaRPr lang="en-US" dirty="0"/>
+          </a:p>
+          <a:p>
+            <a:pPr marL="0" indent="0">
+              <a:buNone/>
+            </a:pPr>
+            <a:endParaRPr lang="en-IN" dirty="0"/>
           </a:p>
         </p:txBody>
       </p:sp>
@@ -3574,7 +3605,7 @@
           <p:cNvPr id="2" name="Title 1">
             <a:extLst>
               <a:ext uri="{FF2B5EF4-FFF2-40B4-BE49-F238E27FC236}">
-                <a16:creationId xmlns:a16="http://schemas.microsoft.com/office/drawing/2014/main" id="{4572E215-388E-9B7B-7AD5-FBA1B355AACE}"/>
+                <a16:creationId xmlns:a16="http://schemas.microsoft.com/office/drawing/2014/main" xmlns="" id="{4572E215-388E-9B7B-7AD5-FBA1B355AACE}"/>
               </a:ext>
             </a:extLst>
           </p:cNvPr>
@@ -3603,7 +3634,7 @@
           <p:cNvPr id="3" name="Content Placeholder 2">
             <a:extLst>
               <a:ext uri="{FF2B5EF4-FFF2-40B4-BE49-F238E27FC236}">
-                <a16:creationId xmlns:a16="http://schemas.microsoft.com/office/drawing/2014/main" id="{BEB5C4C7-B8A5-0A18-CC69-884590BD5603}"/>
+                <a16:creationId xmlns:a16="http://schemas.microsoft.com/office/drawing/2014/main" xmlns="" id="{BEB5C4C7-B8A5-0A18-CC69-884590BD5603}"/>
               </a:ext>
             </a:extLst>
           </p:cNvPr>
@@ -3726,7 +3757,7 @@
           <p:cNvPr id="2" name="Title 1">
             <a:extLst>
               <a:ext uri="{FF2B5EF4-FFF2-40B4-BE49-F238E27FC236}">
-                <a16:creationId xmlns:a16="http://schemas.microsoft.com/office/drawing/2014/main" id="{4572E215-388E-9B7B-7AD5-FBA1B355AACE}"/>
+                <a16:creationId xmlns:a16="http://schemas.microsoft.com/office/drawing/2014/main" xmlns="" id="{4572E215-388E-9B7B-7AD5-FBA1B355AACE}"/>
               </a:ext>
             </a:extLst>
           </p:cNvPr>
@@ -3755,7 +3786,7 @@
           <p:cNvPr id="3" name="Content Placeholder 2">
             <a:extLst>
               <a:ext uri="{FF2B5EF4-FFF2-40B4-BE49-F238E27FC236}">
-                <a16:creationId xmlns:a16="http://schemas.microsoft.com/office/drawing/2014/main" id="{BEB5C4C7-B8A5-0A18-CC69-884590BD5603}"/>
+                <a16:creationId xmlns:a16="http://schemas.microsoft.com/office/drawing/2014/main" xmlns="" id="{BEB5C4C7-B8A5-0A18-CC69-884590BD5603}"/>
               </a:ext>
             </a:extLst>
           </p:cNvPr>
@@ -3903,7 +3934,7 @@
           <p:cNvPr id="2" name="Title 1">
             <a:extLst>
               <a:ext uri="{FF2B5EF4-FFF2-40B4-BE49-F238E27FC236}">
-                <a16:creationId xmlns:a16="http://schemas.microsoft.com/office/drawing/2014/main" id="{6275FA69-614F-C928-C07A-9B9EFE42704E}"/>
+                <a16:creationId xmlns:a16="http://schemas.microsoft.com/office/drawing/2014/main" xmlns="" id="{6275FA69-614F-C928-C07A-9B9EFE42704E}"/>
               </a:ext>
             </a:extLst>
           </p:cNvPr>
@@ -3932,7 +3963,7 @@
           <p:cNvPr id="3" name="Content Placeholder 2">
             <a:extLst>
               <a:ext uri="{FF2B5EF4-FFF2-40B4-BE49-F238E27FC236}">
-                <a16:creationId xmlns:a16="http://schemas.microsoft.com/office/drawing/2014/main" id="{A37F6B72-1A0F-0389-416C-57720D2BAE55}"/>
+                <a16:creationId xmlns:a16="http://schemas.microsoft.com/office/drawing/2014/main" xmlns="" id="{A37F6B72-1A0F-0389-416C-57720D2BAE55}"/>
               </a:ext>
             </a:extLst>
           </p:cNvPr>
@@ -4021,7 +4052,7 @@
           <p:cNvPr id="2" name="Title 1">
             <a:extLst>
               <a:ext uri="{FF2B5EF4-FFF2-40B4-BE49-F238E27FC236}">
-                <a16:creationId xmlns:a16="http://schemas.microsoft.com/office/drawing/2014/main" id="{32D99C73-6D67-1D34-717D-80517AD53D64}"/>
+                <a16:creationId xmlns:a16="http://schemas.microsoft.com/office/drawing/2014/main" xmlns="" id="{32D99C73-6D67-1D34-717D-80517AD53D64}"/>
               </a:ext>
             </a:extLst>
           </p:cNvPr>
@@ -4050,7 +4081,7 @@
           <p:cNvPr id="3" name="Content Placeholder 2">
             <a:extLst>
               <a:ext uri="{FF2B5EF4-FFF2-40B4-BE49-F238E27FC236}">
-                <a16:creationId xmlns:a16="http://schemas.microsoft.com/office/drawing/2014/main" id="{8E5164B2-DBBB-E204-F654-D1523D3370A6}"/>
+                <a16:creationId xmlns:a16="http://schemas.microsoft.com/office/drawing/2014/main" xmlns="" id="{8E5164B2-DBBB-E204-F654-D1523D3370A6}"/>
               </a:ext>
             </a:extLst>
           </p:cNvPr>
@@ -4195,7 +4226,7 @@
           <p:cNvPr id="2" name="Title 1">
             <a:extLst>
               <a:ext uri="{FF2B5EF4-FFF2-40B4-BE49-F238E27FC236}">
-                <a16:creationId xmlns:a16="http://schemas.microsoft.com/office/drawing/2014/main" id="{028801F1-AE5B-9321-77C8-21ABAB3F8736}"/>
+                <a16:creationId xmlns:a16="http://schemas.microsoft.com/office/drawing/2014/main" xmlns="" id="{028801F1-AE5B-9321-77C8-21ABAB3F8736}"/>
               </a:ext>
             </a:extLst>
           </p:cNvPr>
@@ -4224,7 +4255,7 @@
           <p:cNvPr id="3" name="Content Placeholder 2">
             <a:extLst>
               <a:ext uri="{FF2B5EF4-FFF2-40B4-BE49-F238E27FC236}">
-                <a16:creationId xmlns:a16="http://schemas.microsoft.com/office/drawing/2014/main" id="{5DD5EA81-FDA4-192E-2071-6FE5884C6C63}"/>
+                <a16:creationId xmlns:a16="http://schemas.microsoft.com/office/drawing/2014/main" xmlns="" id="{5DD5EA81-FDA4-192E-2071-6FE5884C6C63}"/>
               </a:ext>
             </a:extLst>
           </p:cNvPr>
@@ -4237,7 +4268,9 @@
         </p:nvSpPr>
         <p:spPr/>
         <p:txBody>
-          <a:bodyPr/>
+          <a:bodyPr>
+            <a:normAutofit/>
+          </a:bodyPr>
           <a:lstStyle/>
           <a:p>
             <a:r>
@@ -4325,7 +4358,7 @@
           <p:cNvPr id="2" name="Title 1">
             <a:extLst>
               <a:ext uri="{FF2B5EF4-FFF2-40B4-BE49-F238E27FC236}">
-                <a16:creationId xmlns:a16="http://schemas.microsoft.com/office/drawing/2014/main" id="{7AC73B5E-568D-513B-E1CB-CFF8794402DB}"/>
+                <a16:creationId xmlns:a16="http://schemas.microsoft.com/office/drawing/2014/main" xmlns="" id="{7AC73B5E-568D-513B-E1CB-CFF8794402DB}"/>
               </a:ext>
             </a:extLst>
           </p:cNvPr>
@@ -4354,7 +4387,7 @@
           <p:cNvPr id="3" name="Content Placeholder 2">
             <a:extLst>
               <a:ext uri="{FF2B5EF4-FFF2-40B4-BE49-F238E27FC236}">
-                <a16:creationId xmlns:a16="http://schemas.microsoft.com/office/drawing/2014/main" id="{E3B86ED0-7C0F-764D-0679-F1E43538D427}"/>
+                <a16:creationId xmlns:a16="http://schemas.microsoft.com/office/drawing/2014/main" xmlns="" id="{E3B86ED0-7C0F-764D-0679-F1E43538D427}"/>
               </a:ext>
             </a:extLst>
           </p:cNvPr>
@@ -4371,40 +4404,64 @@
           <a:lstStyle/>
           <a:p>
             <a:r>
-              <a:rPr lang="en-US"/>
+              <a:rPr lang="en-US" dirty="0"/>
               <a:t>Design a Movie class with id, name as fields.</a:t>
             </a:r>
           </a:p>
           <a:p>
             <a:r>
-              <a:rPr lang="en-US"/>
-              <a:t>Add a param constructor to set the values of id and name.</a:t>
-            </a:r>
-          </a:p>
-          <a:p>
-            <a:r>
-              <a:rPr lang="en-US"/>
+              <a:rPr lang="en-US" dirty="0"/>
+              <a:t>Add a </a:t>
+            </a:r>
+            <a:r>
+              <a:rPr lang="en-US" dirty="0" err="1"/>
+              <a:t>param</a:t>
+            </a:r>
+            <a:r>
+              <a:rPr lang="en-US" dirty="0"/>
+              <a:t> constructor to set the values of id and name.</a:t>
+            </a:r>
+          </a:p>
+          <a:p>
+            <a:r>
+              <a:rPr lang="en-US" dirty="0"/>
               <a:t>Provide getters to obtain the values of fields</a:t>
             </a:r>
           </a:p>
           <a:p>
             <a:r>
-              <a:rPr lang="en-US"/>
-              <a:t>Override toString() method to return id and name as String</a:t>
-            </a:r>
-          </a:p>
-          <a:p>
-            <a:r>
-              <a:rPr lang="en-US"/>
-              <a:t>Create 2 Movies object using param constructor.</a:t>
-            </a:r>
-          </a:p>
-          <a:p>
-            <a:r>
-              <a:rPr lang="en-US"/>
+              <a:rPr lang="en-US" dirty="0"/>
+              <a:t>Override </a:t>
+            </a:r>
+            <a:r>
+              <a:rPr lang="en-US" dirty="0" err="1"/>
+              <a:t>toString</a:t>
+            </a:r>
+            <a:r>
+              <a:rPr lang="en-US" dirty="0"/>
+              <a:t>() method to return id and name as String</a:t>
+            </a:r>
+          </a:p>
+          <a:p>
+            <a:r>
+              <a:rPr lang="en-US" dirty="0"/>
+              <a:t>Create 2 Movies object using </a:t>
+            </a:r>
+            <a:r>
+              <a:rPr lang="en-US" dirty="0" err="1"/>
+              <a:t>param</a:t>
+            </a:r>
+            <a:r>
+              <a:rPr lang="en-US" dirty="0"/>
+              <a:t> constructor.</a:t>
+            </a:r>
+          </a:p>
+          <a:p>
+            <a:r>
+              <a:rPr lang="en-US" dirty="0"/>
               <a:t>Print each of the object.</a:t>
             </a:r>
-            <a:endParaRPr lang="en-IN"/>
+            <a:endParaRPr lang="en-IN" dirty="0"/>
           </a:p>
         </p:txBody>
       </p:sp>
@@ -4443,7 +4500,7 @@
           <p:cNvPr id="2" name="Title 1">
             <a:extLst>
               <a:ext uri="{FF2B5EF4-FFF2-40B4-BE49-F238E27FC236}">
-                <a16:creationId xmlns:a16="http://schemas.microsoft.com/office/drawing/2014/main" id="{5172A830-DFA6-CCCB-DA00-1A80143600AC}"/>
+                <a16:creationId xmlns:a16="http://schemas.microsoft.com/office/drawing/2014/main" xmlns="" id="{5172A830-DFA6-CCCB-DA00-1A80143600AC}"/>
               </a:ext>
             </a:extLst>
           </p:cNvPr>
@@ -4472,7 +4529,7 @@
           <p:cNvPr id="3" name="Content Placeholder 2">
             <a:extLst>
               <a:ext uri="{FF2B5EF4-FFF2-40B4-BE49-F238E27FC236}">
-                <a16:creationId xmlns:a16="http://schemas.microsoft.com/office/drawing/2014/main" id="{29E6DD4C-53BE-EF36-F17B-EE6EFD9C5A96}"/>
+                <a16:creationId xmlns:a16="http://schemas.microsoft.com/office/drawing/2014/main" xmlns="" id="{29E6DD4C-53BE-EF36-F17B-EE6EFD9C5A96}"/>
               </a:ext>
             </a:extLst>
           </p:cNvPr>
@@ -4601,7 +4658,7 @@
           <p:cNvPr id="2" name="Title 1">
             <a:extLst>
               <a:ext uri="{FF2B5EF4-FFF2-40B4-BE49-F238E27FC236}">
-                <a16:creationId xmlns:a16="http://schemas.microsoft.com/office/drawing/2014/main" id="{C86A65AB-A601-3288-CA77-9AA285628642}"/>
+                <a16:creationId xmlns:a16="http://schemas.microsoft.com/office/drawing/2014/main" xmlns="" id="{C86A65AB-A601-3288-CA77-9AA285628642}"/>
               </a:ext>
             </a:extLst>
           </p:cNvPr>
@@ -4630,7 +4687,7 @@
           <p:cNvPr id="3" name="Content Placeholder 2">
             <a:extLst>
               <a:ext uri="{FF2B5EF4-FFF2-40B4-BE49-F238E27FC236}">
-                <a16:creationId xmlns:a16="http://schemas.microsoft.com/office/drawing/2014/main" id="{BCCE7E19-C6BC-5052-0802-3A355DDEA7D4}"/>
+                <a16:creationId xmlns:a16="http://schemas.microsoft.com/office/drawing/2014/main" xmlns="" id="{BCCE7E19-C6BC-5052-0802-3A355DDEA7D4}"/>
               </a:ext>
             </a:extLst>
           </p:cNvPr>
@@ -4650,34 +4707,86 @@
               <a:buNone/>
             </a:pPr>
             <a:r>
-              <a:rPr lang="en-US"/>
-              <a:t> public class Test{</a:t>
-            </a:r>
-          </a:p>
-          <a:p>
-            <a:pPr marL="0" indent="0">
-              <a:buNone/>
-            </a:pPr>
-            <a:r>
-              <a:rPr lang="en-US"/>
-              <a:t>   public static void main(String[] args){</a:t>
-            </a:r>
-          </a:p>
-          <a:p>
-            <a:pPr marL="0" indent="0">
-              <a:buNone/>
-            </a:pPr>
-            <a:r>
-              <a:rPr lang="en-US"/>
-              <a:t>      System.out.println(“Hello World”);</a:t>
-            </a:r>
-          </a:p>
-          <a:p>
-            <a:pPr marL="0" indent="0">
-              <a:buNone/>
-            </a:pPr>
-            <a:r>
-              <a:rPr lang="en-US"/>
+              <a:rPr lang="en-US" dirty="0"/>
+              <a:t> </a:t>
+            </a:r>
+            <a:r>
+              <a:rPr lang="en-US" dirty="0">
+                <a:solidFill>
+                  <a:srgbClr val="00B0F0"/>
+                </a:solidFill>
+              </a:rPr>
+              <a:t>public class Test{</a:t>
+            </a:r>
+          </a:p>
+          <a:p>
+            <a:pPr marL="0" indent="0">
+              <a:buNone/>
+            </a:pPr>
+            <a:r>
+              <a:rPr lang="en-US" dirty="0">
+                <a:solidFill>
+                  <a:srgbClr val="00B0F0"/>
+                </a:solidFill>
+              </a:rPr>
+              <a:t>   public static void main(String[] </a:t>
+            </a:r>
+            <a:r>
+              <a:rPr lang="en-US" dirty="0" err="1">
+                <a:solidFill>
+                  <a:srgbClr val="00B0F0"/>
+                </a:solidFill>
+              </a:rPr>
+              <a:t>args</a:t>
+            </a:r>
+            <a:r>
+              <a:rPr lang="en-US" dirty="0">
+                <a:solidFill>
+                  <a:srgbClr val="00B0F0"/>
+                </a:solidFill>
+              </a:rPr>
+              <a:t>){</a:t>
+            </a:r>
+          </a:p>
+          <a:p>
+            <a:pPr marL="0" indent="0">
+              <a:buNone/>
+            </a:pPr>
+            <a:r>
+              <a:rPr lang="en-US" dirty="0">
+                <a:solidFill>
+                  <a:srgbClr val="00B0F0"/>
+                </a:solidFill>
+              </a:rPr>
+              <a:t>      </a:t>
+            </a:r>
+            <a:r>
+              <a:rPr lang="en-US" dirty="0" err="1">
+                <a:solidFill>
+                  <a:srgbClr val="00B0F0"/>
+                </a:solidFill>
+              </a:rPr>
+              <a:t>System.out.println</a:t>
+            </a:r>
+            <a:r>
+              <a:rPr lang="en-US" dirty="0">
+                <a:solidFill>
+                  <a:srgbClr val="00B0F0"/>
+                </a:solidFill>
+              </a:rPr>
+              <a:t>(“Hello World”);</a:t>
+            </a:r>
+          </a:p>
+          <a:p>
+            <a:pPr marL="0" indent="0">
+              <a:buNone/>
+            </a:pPr>
+            <a:r>
+              <a:rPr lang="en-US" dirty="0">
+                <a:solidFill>
+                  <a:srgbClr val="00B0F0"/>
+                </a:solidFill>
+              </a:rPr>
               <a:t>   }</a:t>
             </a:r>
           </a:p>
@@ -4686,7 +4795,11 @@
               <a:buNone/>
             </a:pPr>
             <a:r>
-              <a:rPr lang="en-US"/>
+              <a:rPr lang="en-US" dirty="0">
+                <a:solidFill>
+                  <a:srgbClr val="00B0F0"/>
+                </a:solidFill>
+              </a:rPr>
               <a:t> }</a:t>
             </a:r>
           </a:p>
@@ -4694,26 +4807,34 @@
             <a:pPr marL="0" indent="0">
               <a:buNone/>
             </a:pPr>
-            <a:endParaRPr lang="en-US"/>
-          </a:p>
-          <a:p>
-            <a:pPr marL="0" indent="0">
-              <a:buNone/>
-            </a:pPr>
-            <a:r>
-              <a:rPr lang="en-US"/>
-              <a:t>Compile: javac Test.java </a:t>
-            </a:r>
-          </a:p>
-          <a:p>
-            <a:pPr marL="0" indent="0">
-              <a:buNone/>
-            </a:pPr>
-            <a:r>
-              <a:rPr lang="en-US"/>
+            <a:endParaRPr lang="en-US" dirty="0"/>
+          </a:p>
+          <a:p>
+            <a:pPr marL="0" indent="0">
+              <a:buNone/>
+            </a:pPr>
+            <a:r>
+              <a:rPr lang="en-US" dirty="0"/>
+              <a:t>Compile: </a:t>
+            </a:r>
+            <a:r>
+              <a:rPr lang="en-US" dirty="0" err="1"/>
+              <a:t>javac</a:t>
+            </a:r>
+            <a:r>
+              <a:rPr lang="en-US" dirty="0"/>
+              <a:t> Test.java </a:t>
+            </a:r>
+          </a:p>
+          <a:p>
+            <a:pPr marL="0" indent="0">
+              <a:buNone/>
+            </a:pPr>
+            <a:r>
+              <a:rPr lang="en-US" dirty="0"/>
               <a:t>Run:  java Test</a:t>
             </a:r>
-            <a:endParaRPr lang="en-IN"/>
+            <a:endParaRPr lang="en-IN" dirty="0"/>
           </a:p>
         </p:txBody>
       </p:sp>
@@ -4752,7 +4873,7 @@
           <p:cNvPr id="2" name="Title 1">
             <a:extLst>
               <a:ext uri="{FF2B5EF4-FFF2-40B4-BE49-F238E27FC236}">
-                <a16:creationId xmlns:a16="http://schemas.microsoft.com/office/drawing/2014/main" id="{C86A65AB-A601-3288-CA77-9AA285628642}"/>
+                <a16:creationId xmlns:a16="http://schemas.microsoft.com/office/drawing/2014/main" xmlns="" id="{C86A65AB-A601-3288-CA77-9AA285628642}"/>
               </a:ext>
             </a:extLst>
           </p:cNvPr>
@@ -4781,7 +4902,7 @@
           <p:cNvPr id="3" name="Content Placeholder 2">
             <a:extLst>
               <a:ext uri="{FF2B5EF4-FFF2-40B4-BE49-F238E27FC236}">
-                <a16:creationId xmlns:a16="http://schemas.microsoft.com/office/drawing/2014/main" id="{BCCE7E19-C6BC-5052-0802-3A355DDEA7D4}"/>
+                <a16:creationId xmlns:a16="http://schemas.microsoft.com/office/drawing/2014/main" xmlns="" id="{BCCE7E19-C6BC-5052-0802-3A355DDEA7D4}"/>
               </a:ext>
             </a:extLst>
           </p:cNvPr>
@@ -4792,43 +4913,102 @@
             <p:ph idx="1"/>
           </p:nvPr>
         </p:nvSpPr>
-        <p:spPr/>
-        <p:txBody>
-          <a:bodyPr/>
-          <a:lstStyle/>
-          <a:p>
-            <a:pPr marL="0" indent="0">
-              <a:buNone/>
-            </a:pPr>
-            <a:r>
-              <a:rPr lang="en-US"/>
-              <a:t> public class Test{ // source code</a:t>
-            </a:r>
-          </a:p>
-          <a:p>
-            <a:pPr marL="0" indent="0">
-              <a:buNone/>
-            </a:pPr>
-            <a:r>
-              <a:rPr lang="en-US"/>
-              <a:t>   public static void main(String[] args){</a:t>
-            </a:r>
-          </a:p>
-          <a:p>
-            <a:pPr marL="0" indent="0">
-              <a:buNone/>
-            </a:pPr>
-            <a:r>
-              <a:rPr lang="en-US"/>
-              <a:t>      System.out.println(“Hello World”);</a:t>
-            </a:r>
-          </a:p>
-          <a:p>
-            <a:pPr marL="0" indent="0">
-              <a:buNone/>
-            </a:pPr>
-            <a:r>
-              <a:rPr lang="en-US"/>
+        <p:spPr>
+          <a:xfrm>
+            <a:off x="746760" y="1807337"/>
+            <a:ext cx="10515600" cy="4351338"/>
+          </a:xfrm>
+        </p:spPr>
+        <p:txBody>
+          <a:bodyPr>
+            <a:normAutofit lnSpcReduction="10000"/>
+          </a:bodyPr>
+          <a:lstStyle/>
+          <a:p>
+            <a:pPr marL="0" indent="0">
+              <a:buNone/>
+            </a:pPr>
+            <a:r>
+              <a:rPr lang="en-US" dirty="0"/>
+              <a:t> </a:t>
+            </a:r>
+            <a:r>
+              <a:rPr lang="en-US" dirty="0">
+                <a:solidFill>
+                  <a:srgbClr val="00B0F0"/>
+                </a:solidFill>
+              </a:rPr>
+              <a:t>public class Test{ // source code</a:t>
+            </a:r>
+          </a:p>
+          <a:p>
+            <a:pPr marL="0" indent="0">
+              <a:buNone/>
+            </a:pPr>
+            <a:r>
+              <a:rPr lang="en-US" dirty="0">
+                <a:solidFill>
+                  <a:srgbClr val="00B0F0"/>
+                </a:solidFill>
+              </a:rPr>
+              <a:t>   public static void main(String[] </a:t>
+            </a:r>
+            <a:r>
+              <a:rPr lang="en-US" dirty="0" err="1">
+                <a:solidFill>
+                  <a:srgbClr val="00B0F0"/>
+                </a:solidFill>
+              </a:rPr>
+              <a:t>args</a:t>
+            </a:r>
+            <a:r>
+              <a:rPr lang="en-US" dirty="0">
+                <a:solidFill>
+                  <a:srgbClr val="00B0F0"/>
+                </a:solidFill>
+              </a:rPr>
+              <a:t>){</a:t>
+            </a:r>
+          </a:p>
+          <a:p>
+            <a:pPr marL="0" indent="0">
+              <a:buNone/>
+            </a:pPr>
+            <a:r>
+              <a:rPr lang="en-US" dirty="0">
+                <a:solidFill>
+                  <a:srgbClr val="00B0F0"/>
+                </a:solidFill>
+              </a:rPr>
+              <a:t>      </a:t>
+            </a:r>
+            <a:r>
+              <a:rPr lang="en-US" dirty="0" err="1">
+                <a:solidFill>
+                  <a:srgbClr val="00B0F0"/>
+                </a:solidFill>
+              </a:rPr>
+              <a:t>System.out.println</a:t>
+            </a:r>
+            <a:r>
+              <a:rPr lang="en-US" dirty="0">
+                <a:solidFill>
+                  <a:srgbClr val="00B0F0"/>
+                </a:solidFill>
+              </a:rPr>
+              <a:t>(“Hello World”);</a:t>
+            </a:r>
+          </a:p>
+          <a:p>
+            <a:pPr marL="0" indent="0">
+              <a:buNone/>
+            </a:pPr>
+            <a:r>
+              <a:rPr lang="en-US" dirty="0">
+                <a:solidFill>
+                  <a:srgbClr val="00B0F0"/>
+                </a:solidFill>
+              </a:rPr>
               <a:t>   }</a:t>
             </a:r>
           </a:p>
@@ -4837,7 +5017,11 @@
               <a:buNone/>
             </a:pPr>
             <a:r>
-              <a:rPr lang="en-US"/>
+              <a:rPr lang="en-US" dirty="0">
+                <a:solidFill>
+                  <a:srgbClr val="00B0F0"/>
+                </a:solidFill>
+              </a:rPr>
               <a:t> }</a:t>
             </a:r>
           </a:p>
@@ -4845,34 +5029,58 @@
             <a:pPr marL="0" indent="0">
               <a:buNone/>
             </a:pPr>
-            <a:endParaRPr lang="en-US"/>
-          </a:p>
-          <a:p>
-            <a:pPr marL="0" indent="0">
-              <a:buNone/>
-            </a:pPr>
-            <a:r>
-              <a:rPr lang="en-US"/>
-              <a:t>Compile: javac Test.java  // creates a file Test.class with byte code</a:t>
-            </a:r>
-          </a:p>
-          <a:p>
-            <a:pPr marL="0" indent="0">
-              <a:buNone/>
-            </a:pPr>
-            <a:r>
-              <a:rPr lang="en-US"/>
+            <a:endParaRPr lang="en-US" dirty="0"/>
+          </a:p>
+          <a:p>
+            <a:pPr marL="0" indent="0">
+              <a:buNone/>
+            </a:pPr>
+            <a:r>
+              <a:rPr lang="en-US" dirty="0"/>
+              <a:t>Compile: </a:t>
+            </a:r>
+            <a:r>
+              <a:rPr lang="en-US" dirty="0" err="1"/>
+              <a:t>javac</a:t>
+            </a:r>
+            <a:r>
+              <a:rPr lang="en-US" dirty="0"/>
+              <a:t> Test.java  // creates a file </a:t>
+            </a:r>
+            <a:r>
+              <a:rPr lang="en-US" dirty="0" err="1"/>
+              <a:t>Test.class</a:t>
+            </a:r>
+            <a:r>
+              <a:rPr lang="en-US" dirty="0"/>
+              <a:t> with byte code</a:t>
+            </a:r>
+          </a:p>
+          <a:p>
+            <a:pPr marL="0" indent="0">
+              <a:buNone/>
+            </a:pPr>
+            <a:r>
+              <a:rPr lang="en-US" dirty="0"/>
               <a:t>Run:  java </a:t>
             </a:r>
             <a:r>
-              <a:rPr lang="en-US" b="1"/>
+              <a:rPr lang="en-US" b="1" dirty="0"/>
               <a:t>Test</a:t>
             </a:r>
             <a:r>
-              <a:rPr lang="en-US"/>
-              <a:t> // Runs the bytecode file Test.class (JVM, JRE)</a:t>
-            </a:r>
-            <a:endParaRPr lang="en-IN"/>
+              <a:rPr lang="en-US" dirty="0"/>
+              <a:t> // Runs the bytecode file </a:t>
+            </a:r>
+            <a:r>
+              <a:rPr lang="en-US" dirty="0" err="1"/>
+              <a:t>Test.class</a:t>
+            </a:r>
+            <a:r>
+              <a:rPr lang="en-US" dirty="0"/>
+              <a:t> (JVM, JRE)</a:t>
+            </a:r>
+            <a:endParaRPr lang="en-IN" dirty="0"/>
           </a:p>
         </p:txBody>
       </p:sp>
@@ -4911,7 +5119,7 @@
           <p:cNvPr id="2" name="Title 1">
             <a:extLst>
               <a:ext uri="{FF2B5EF4-FFF2-40B4-BE49-F238E27FC236}">
-                <a16:creationId xmlns:a16="http://schemas.microsoft.com/office/drawing/2014/main" id="{0011DA30-55DC-0A2C-2ABF-7A6A87C0F591}"/>
+                <a16:creationId xmlns:a16="http://schemas.microsoft.com/office/drawing/2014/main" xmlns="" id="{0011DA30-55DC-0A2C-2ABF-7A6A87C0F591}"/>
               </a:ext>
             </a:extLst>
           </p:cNvPr>
@@ -4940,7 +5148,7 @@
           <p:cNvPr id="3" name="Content Placeholder 2">
             <a:extLst>
               <a:ext uri="{FF2B5EF4-FFF2-40B4-BE49-F238E27FC236}">
-                <a16:creationId xmlns:a16="http://schemas.microsoft.com/office/drawing/2014/main" id="{E9B474DB-C8CE-DFAA-E8E8-602519363748}"/>
+                <a16:creationId xmlns:a16="http://schemas.microsoft.com/office/drawing/2014/main" xmlns="" id="{E9B474DB-C8CE-DFAA-E8E8-602519363748}"/>
               </a:ext>
             </a:extLst>
           </p:cNvPr>
@@ -4962,7 +5170,11 @@
               <a:buNone/>
             </a:pPr>
             <a:r>
-              <a:rPr lang="en-US"/>
+              <a:rPr lang="en-US" dirty="0">
+                <a:solidFill>
+                  <a:srgbClr val="00B0F0"/>
+                </a:solidFill>
+              </a:rPr>
               <a:t> public class Employee{</a:t>
             </a:r>
           </a:p>
@@ -4971,16 +5183,40 @@
               <a:buNone/>
             </a:pPr>
             <a:r>
-              <a:rPr lang="en-US"/>
-              <a:t>   int id; // field</a:t>
-            </a:r>
-          </a:p>
-          <a:p>
-            <a:pPr marL="0" indent="0">
-              <a:buNone/>
-            </a:pPr>
-            <a:r>
-              <a:rPr lang="en-US"/>
+              <a:rPr lang="en-US" dirty="0">
+                <a:solidFill>
+                  <a:srgbClr val="00B0F0"/>
+                </a:solidFill>
+              </a:rPr>
+              <a:t>   </a:t>
+            </a:r>
+            <a:r>
+              <a:rPr lang="en-US" dirty="0" err="1">
+                <a:solidFill>
+                  <a:srgbClr val="00B0F0"/>
+                </a:solidFill>
+              </a:rPr>
+              <a:t>int</a:t>
+            </a:r>
+            <a:r>
+              <a:rPr lang="en-US" dirty="0">
+                <a:solidFill>
+                  <a:srgbClr val="00B0F0"/>
+                </a:solidFill>
+              </a:rPr>
+              <a:t> id; // field</a:t>
+            </a:r>
+          </a:p>
+          <a:p>
+            <a:pPr marL="0" indent="0">
+              <a:buNone/>
+            </a:pPr>
+            <a:r>
+              <a:rPr lang="en-US" dirty="0">
+                <a:solidFill>
+                  <a:srgbClr val="00B0F0"/>
+                </a:solidFill>
+              </a:rPr>
               <a:t>   String name; // field</a:t>
             </a:r>
           </a:p>
@@ -4989,7 +5225,11 @@
               <a:buNone/>
             </a:pPr>
             <a:r>
-              <a:rPr lang="en-US"/>
+              <a:rPr lang="en-US" dirty="0">
+                <a:solidFill>
+                  <a:srgbClr val="00B0F0"/>
+                </a:solidFill>
+              </a:rPr>
               <a:t>  </a:t>
             </a:r>
           </a:p>
@@ -4998,7 +5238,11 @@
               <a:buNone/>
             </a:pPr>
             <a:r>
-              <a:rPr lang="en-US"/>
+              <a:rPr lang="en-US" dirty="0">
+                <a:solidFill>
+                  <a:srgbClr val="00B0F0"/>
+                </a:solidFill>
+              </a:rPr>
               <a:t>   public void display() /* method */ {</a:t>
             </a:r>
           </a:p>
@@ -5007,16 +5251,40 @@
               <a:buNone/>
             </a:pPr>
             <a:r>
-              <a:rPr lang="en-US"/>
-              <a:t>   System.out.println(id+”:”+name);</a:t>
-            </a:r>
-          </a:p>
-          <a:p>
-            <a:pPr marL="0" indent="0">
-              <a:buNone/>
-            </a:pPr>
-            <a:r>
-              <a:rPr lang="en-US"/>
+              <a:rPr lang="en-US" dirty="0">
+                <a:solidFill>
+                  <a:srgbClr val="00B0F0"/>
+                </a:solidFill>
+              </a:rPr>
+              <a:t>   </a:t>
+            </a:r>
+            <a:r>
+              <a:rPr lang="en-US" dirty="0" err="1">
+                <a:solidFill>
+                  <a:srgbClr val="00B0F0"/>
+                </a:solidFill>
+              </a:rPr>
+              <a:t>System.out.println</a:t>
+            </a:r>
+            <a:r>
+              <a:rPr lang="en-US" dirty="0">
+                <a:solidFill>
+                  <a:srgbClr val="00B0F0"/>
+                </a:solidFill>
+              </a:rPr>
+              <a:t>(id+”:”+name);</a:t>
+            </a:r>
+          </a:p>
+          <a:p>
+            <a:pPr marL="0" indent="0">
+              <a:buNone/>
+            </a:pPr>
+            <a:r>
+              <a:rPr lang="en-US" dirty="0">
+                <a:solidFill>
+                  <a:srgbClr val="00B0F0"/>
+                </a:solidFill>
+              </a:rPr>
               <a:t>  }</a:t>
             </a:r>
           </a:p>
@@ -5025,7 +5293,11 @@
               <a:buNone/>
             </a:pPr>
             <a:r>
-              <a:rPr lang="en-US"/>
+              <a:rPr lang="en-US" dirty="0">
+                <a:solidFill>
+                  <a:srgbClr val="00B0F0"/>
+                </a:solidFill>
+              </a:rPr>
               <a:t>}</a:t>
             </a:r>
           </a:p>
@@ -5034,15 +5306,23 @@
               <a:buNone/>
             </a:pPr>
             <a:r>
-              <a:rPr lang="en-US"/>
-              <a:t>Use object reference variable to access the fields.</a:t>
-            </a:r>
-          </a:p>
-          <a:p>
-            <a:pPr marL="0" indent="0">
-              <a:buNone/>
-            </a:pPr>
-            <a:endParaRPr lang="en-IN"/>
+              <a:rPr lang="en-US" dirty="0"/>
+              <a:t>Use object reference variable to access the </a:t>
+            </a:r>
+            <a:r>
+              <a:rPr lang="en-US" dirty="0" smtClean="0"/>
+              <a:t>instance fields</a:t>
+            </a:r>
+            <a:r>
+              <a:rPr lang="en-US" dirty="0"/>
+              <a:t>.</a:t>
+            </a:r>
+          </a:p>
+          <a:p>
+            <a:pPr marL="0" indent="0">
+              <a:buNone/>
+            </a:pPr>
+            <a:endParaRPr lang="en-IN" dirty="0"/>
           </a:p>
         </p:txBody>
       </p:sp>
@@ -5081,7 +5361,7 @@
           <p:cNvPr id="2" name="Title 1">
             <a:extLst>
               <a:ext uri="{FF2B5EF4-FFF2-40B4-BE49-F238E27FC236}">
-                <a16:creationId xmlns:a16="http://schemas.microsoft.com/office/drawing/2014/main" id="{602E9B8E-6769-34BA-9E2C-BB0BE73578C5}"/>
+                <a16:creationId xmlns:a16="http://schemas.microsoft.com/office/drawing/2014/main" xmlns="" id="{602E9B8E-6769-34BA-9E2C-BB0BE73578C5}"/>
               </a:ext>
             </a:extLst>
           </p:cNvPr>
@@ -5098,10 +5378,10 @@
           <a:lstStyle/>
           <a:p>
             <a:r>
-              <a:rPr lang="en-US"/>
+              <a:rPr lang="en-US" dirty="0"/>
               <a:t>Object</a:t>
             </a:r>
-            <a:endParaRPr lang="en-IN"/>
+            <a:endParaRPr lang="en-IN" dirty="0"/>
           </a:p>
         </p:txBody>
       </p:sp>
@@ -5110,7 +5390,7 @@
           <p:cNvPr id="3" name="Content Placeholder 2">
             <a:extLst>
               <a:ext uri="{FF2B5EF4-FFF2-40B4-BE49-F238E27FC236}">
-                <a16:creationId xmlns:a16="http://schemas.microsoft.com/office/drawing/2014/main" id="{E4750F74-E384-7D27-05C4-2046F9F9CE26}"/>
+                <a16:creationId xmlns:a16="http://schemas.microsoft.com/office/drawing/2014/main" xmlns="" id="{E4750F74-E384-7D27-05C4-2046F9F9CE26}"/>
               </a:ext>
             </a:extLst>
           </p:cNvPr>
@@ -5124,7 +5404,7 @@
         <p:spPr/>
         <p:txBody>
           <a:bodyPr>
-            <a:normAutofit fontScale="92500" lnSpcReduction="20000"/>
+            <a:normAutofit fontScale="85000" lnSpcReduction="20000"/>
           </a:bodyPr>
           <a:lstStyle/>
           <a:p>
@@ -5132,16 +5412,35 @@
               <a:buNone/>
             </a:pPr>
             <a:r>
-              <a:rPr lang="en-US"/>
-              <a:t> Employee e1 = new Employee(); // e1 is reference variable</a:t>
-            </a:r>
-          </a:p>
-          <a:p>
-            <a:pPr marL="0" indent="0">
-              <a:buNone/>
-            </a:pPr>
-            <a:r>
-              <a:rPr lang="en-US"/>
+              <a:rPr lang="en-US" dirty="0"/>
+              <a:t> Employee e1 = new Employee(); </a:t>
+            </a:r>
+            <a:endParaRPr lang="en-US" dirty="0" smtClean="0"/>
+          </a:p>
+          <a:p>
+            <a:pPr marL="0" indent="0">
+              <a:buNone/>
+            </a:pPr>
+            <a:r>
+              <a:rPr lang="en-US" dirty="0" smtClean="0"/>
+              <a:t>// </a:t>
+            </a:r>
+            <a:r>
+              <a:rPr lang="en-US" dirty="0"/>
+              <a:t>e1 is reference </a:t>
+            </a:r>
+            <a:r>
+              <a:rPr lang="en-US" dirty="0" smtClean="0"/>
+              <a:t>variable of type Employee</a:t>
+            </a:r>
+            <a:endParaRPr lang="en-US" dirty="0"/>
+          </a:p>
+          <a:p>
+            <a:pPr marL="0" indent="0">
+              <a:buNone/>
+            </a:pPr>
+            <a:r>
+              <a:rPr lang="en-US" dirty="0"/>
               <a:t> e1.id = 100;</a:t>
             </a:r>
           </a:p>
@@ -5150,7 +5449,7 @@
               <a:buNone/>
             </a:pPr>
             <a:r>
-              <a:rPr lang="en-US"/>
+              <a:rPr lang="en-US" dirty="0"/>
               <a:t> e1.name=“John”;</a:t>
             </a:r>
           </a:p>
@@ -5159,7 +5458,7 @@
               <a:buNone/>
             </a:pPr>
             <a:r>
-              <a:rPr lang="en-US"/>
+              <a:rPr lang="en-US" dirty="0"/>
               <a:t> </a:t>
             </a:r>
           </a:p>
@@ -5168,7 +5467,7 @@
               <a:buNone/>
             </a:pPr>
             <a:r>
-              <a:rPr lang="en-US"/>
+              <a:rPr lang="en-US" dirty="0"/>
               <a:t> Employee e2 = new Employee();</a:t>
             </a:r>
           </a:p>
@@ -5177,7 +5476,7 @@
               <a:buNone/>
             </a:pPr>
             <a:r>
-              <a:rPr lang="en-US"/>
+              <a:rPr lang="en-US" dirty="0"/>
               <a:t> e2.id = 200;</a:t>
             </a:r>
           </a:p>
@@ -5186,7 +5485,7 @@
               <a:buNone/>
             </a:pPr>
             <a:r>
-              <a:rPr lang="en-US"/>
+              <a:rPr lang="en-US" dirty="0"/>
               <a:t> e2.name=“Alex”;</a:t>
             </a:r>
           </a:p>
@@ -5194,14 +5493,14 @@
             <a:pPr marL="0" indent="0">
               <a:buNone/>
             </a:pPr>
-            <a:endParaRPr lang="en-US"/>
-          </a:p>
-          <a:p>
-            <a:pPr marL="0" indent="0">
-              <a:buNone/>
-            </a:pPr>
-            <a:r>
-              <a:rPr lang="en-IN"/>
+            <a:endParaRPr lang="en-US" dirty="0"/>
+          </a:p>
+          <a:p>
+            <a:pPr marL="0" indent="0">
+              <a:buNone/>
+            </a:pPr>
+            <a:r>
+              <a:rPr lang="en-IN" dirty="0"/>
               <a:t> e1.display();</a:t>
             </a:r>
           </a:p>
@@ -5210,7 +5509,7 @@
               <a:buNone/>
             </a:pPr>
             <a:r>
-              <a:rPr lang="en-IN"/>
+              <a:rPr lang="en-IN" dirty="0"/>
               <a:t> e2.display();</a:t>
             </a:r>
           </a:p>
@@ -5251,7 +5550,7 @@
           <p:cNvPr id="2" name="Title 1">
             <a:extLst>
               <a:ext uri="{FF2B5EF4-FFF2-40B4-BE49-F238E27FC236}">
-                <a16:creationId xmlns:a16="http://schemas.microsoft.com/office/drawing/2014/main" id="{8626BD7A-D6FE-BAF5-972B-4DEFB5DEB9F1}"/>
+                <a16:creationId xmlns:a16="http://schemas.microsoft.com/office/drawing/2014/main" xmlns="" id="{8626BD7A-D6FE-BAF5-972B-4DEFB5DEB9F1}"/>
               </a:ext>
             </a:extLst>
           </p:cNvPr>
@@ -5280,7 +5579,7 @@
           <p:cNvPr id="3" name="Content Placeholder 2">
             <a:extLst>
               <a:ext uri="{FF2B5EF4-FFF2-40B4-BE49-F238E27FC236}">
-                <a16:creationId xmlns:a16="http://schemas.microsoft.com/office/drawing/2014/main" id="{EC47685A-63DC-C1FA-B2DE-8EF4A88D6455}"/>
+                <a16:creationId xmlns:a16="http://schemas.microsoft.com/office/drawing/2014/main" xmlns="" id="{EC47685A-63DC-C1FA-B2DE-8EF4A88D6455}"/>
               </a:ext>
             </a:extLst>
           </p:cNvPr>
@@ -5365,7 +5664,7 @@
           <p:cNvPr id="2" name="Title 1">
             <a:extLst>
               <a:ext uri="{FF2B5EF4-FFF2-40B4-BE49-F238E27FC236}">
-                <a16:creationId xmlns:a16="http://schemas.microsoft.com/office/drawing/2014/main" id="{8626BD7A-D6FE-BAF5-972B-4DEFB5DEB9F1}"/>
+                <a16:creationId xmlns:a16="http://schemas.microsoft.com/office/drawing/2014/main" xmlns="" id="{8626BD7A-D6FE-BAF5-972B-4DEFB5DEB9F1}"/>
               </a:ext>
             </a:extLst>
           </p:cNvPr>
@@ -5394,7 +5693,7 @@
           <p:cNvPr id="3" name="Content Placeholder 2">
             <a:extLst>
               <a:ext uri="{FF2B5EF4-FFF2-40B4-BE49-F238E27FC236}">
-                <a16:creationId xmlns:a16="http://schemas.microsoft.com/office/drawing/2014/main" id="{EC47685A-63DC-C1FA-B2DE-8EF4A88D6455}"/>
+                <a16:creationId xmlns:a16="http://schemas.microsoft.com/office/drawing/2014/main" xmlns="" id="{EC47685A-63DC-C1FA-B2DE-8EF4A88D6455}"/>
               </a:ext>
             </a:extLst>
           </p:cNvPr>
@@ -5545,7 +5844,7 @@
           <p:cNvPr id="2" name="Title 1">
             <a:extLst>
               <a:ext uri="{FF2B5EF4-FFF2-40B4-BE49-F238E27FC236}">
-                <a16:creationId xmlns:a16="http://schemas.microsoft.com/office/drawing/2014/main" id="{8626BD7A-D6FE-BAF5-972B-4DEFB5DEB9F1}"/>
+                <a16:creationId xmlns:a16="http://schemas.microsoft.com/office/drawing/2014/main" xmlns="" id="{8626BD7A-D6FE-BAF5-972B-4DEFB5DEB9F1}"/>
               </a:ext>
             </a:extLst>
           </p:cNvPr>
@@ -5562,10 +5861,18 @@
           <a:lstStyle/>
           <a:p>
             <a:r>
-              <a:rPr lang="en-US"/>
-              <a:t>Param Constructor</a:t>
-            </a:r>
-            <a:endParaRPr lang="en-IN"/>
+              <a:rPr lang="en-US" dirty="0" err="1"/>
+              <a:t>Param</a:t>
+            </a:r>
+            <a:r>
+              <a:rPr lang="en-US" dirty="0"/>
+              <a:t> </a:t>
+            </a:r>
+            <a:r>
+              <a:rPr lang="en-US" dirty="0" smtClean="0"/>
+              <a:t>Constructor , this keyword</a:t>
+            </a:r>
+            <a:endParaRPr lang="en-IN" dirty="0"/>
           </a:p>
         </p:txBody>
       </p:sp>
@@ -5574,7 +5881,7 @@
           <p:cNvPr id="3" name="Content Placeholder 2">
             <a:extLst>
               <a:ext uri="{FF2B5EF4-FFF2-40B4-BE49-F238E27FC236}">
-                <a16:creationId xmlns:a16="http://schemas.microsoft.com/office/drawing/2014/main" id="{EC47685A-63DC-C1FA-B2DE-8EF4A88D6455}"/>
+                <a16:creationId xmlns:a16="http://schemas.microsoft.com/office/drawing/2014/main" xmlns="" id="{EC47685A-63DC-C1FA-B2DE-8EF4A88D6455}"/>
               </a:ext>
             </a:extLst>
           </p:cNvPr>
@@ -5595,14 +5902,14 @@
             <a:pPr marL="0" indent="0">
               <a:buNone/>
             </a:pPr>
-            <a:endParaRPr lang="en-US"/>
-          </a:p>
-          <a:p>
-            <a:pPr marL="0" indent="0">
-              <a:buNone/>
-            </a:pPr>
-            <a:r>
-              <a:rPr lang="en-US"/>
+            <a:endParaRPr lang="en-US" dirty="0"/>
+          </a:p>
+          <a:p>
+            <a:pPr marL="0" indent="0">
+              <a:buNone/>
+            </a:pPr>
+            <a:r>
+              <a:rPr lang="en-US" dirty="0"/>
               <a:t>public class Employee{</a:t>
             </a:r>
           </a:p>
@@ -5611,15 +5918,23 @@
               <a:buNone/>
             </a:pPr>
             <a:r>
-              <a:rPr lang="en-US"/>
-              <a:t>    int </a:t>
-            </a:r>
-            <a:r>
-              <a:rPr lang="en-US" b="1"/>
+              <a:rPr lang="en-US" dirty="0"/>
+              <a:t>    </a:t>
+            </a:r>
+            <a:r>
+              <a:rPr lang="en-US" dirty="0" err="1"/>
+              <a:t>int</a:t>
+            </a:r>
+            <a:r>
+              <a:rPr lang="en-US" dirty="0"/>
+              <a:t> </a:t>
+            </a:r>
+            <a:r>
+              <a:rPr lang="en-US" b="1" dirty="0"/>
               <a:t>id</a:t>
             </a:r>
             <a:r>
-              <a:rPr lang="en-US"/>
+              <a:rPr lang="en-US" dirty="0"/>
               <a:t>;</a:t>
             </a:r>
           </a:p>
@@ -5628,15 +5943,15 @@
               <a:buNone/>
             </a:pPr>
             <a:r>
-              <a:rPr lang="en-US"/>
+              <a:rPr lang="en-US" dirty="0"/>
               <a:t>    String </a:t>
             </a:r>
             <a:r>
-              <a:rPr lang="en-US" b="1"/>
+              <a:rPr lang="en-US" b="1" dirty="0"/>
               <a:t>name</a:t>
             </a:r>
             <a:r>
-              <a:rPr lang="en-US"/>
+              <a:rPr lang="en-US" dirty="0"/>
               <a:t>;</a:t>
             </a:r>
           </a:p>
@@ -5645,23 +5960,31 @@
               <a:buNone/>
             </a:pPr>
             <a:r>
-              <a:rPr lang="en-US"/>
-              <a:t>   public Employee(int </a:t>
-            </a:r>
-            <a:r>
-              <a:rPr lang="en-US" i="1"/>
+              <a:rPr lang="en-US" dirty="0"/>
+              <a:t>   public Employee(</a:t>
+            </a:r>
+            <a:r>
+              <a:rPr lang="en-US" dirty="0" err="1"/>
+              <a:t>int</a:t>
+            </a:r>
+            <a:r>
+              <a:rPr lang="en-US" dirty="0"/>
+              <a:t> </a:t>
+            </a:r>
+            <a:r>
+              <a:rPr lang="en-US" i="1" dirty="0"/>
               <a:t>id</a:t>
             </a:r>
             <a:r>
-              <a:rPr lang="en-US"/>
+              <a:rPr lang="en-US" dirty="0"/>
               <a:t>, String </a:t>
             </a:r>
             <a:r>
-              <a:rPr lang="en-US" i="1"/>
+              <a:rPr lang="en-US" i="1" dirty="0"/>
               <a:t>name</a:t>
             </a:r>
             <a:r>
-              <a:rPr lang="en-US"/>
+              <a:rPr lang="en-US" dirty="0"/>
               <a:t>){</a:t>
             </a:r>
           </a:p>
@@ -5670,39 +5993,39 @@
               <a:buNone/>
             </a:pPr>
             <a:r>
-              <a:rPr lang="en-US"/>
+              <a:rPr lang="en-US" dirty="0"/>
               <a:t>     this.</a:t>
             </a:r>
             <a:r>
-              <a:rPr lang="en-US" b="1"/>
+              <a:rPr lang="en-US" b="1" dirty="0"/>
               <a:t>id</a:t>
             </a:r>
             <a:r>
-              <a:rPr lang="en-US"/>
+              <a:rPr lang="en-US" dirty="0"/>
               <a:t> = </a:t>
             </a:r>
             <a:r>
-              <a:rPr lang="en-US" i="1"/>
+              <a:rPr lang="en-US" i="1" dirty="0"/>
               <a:t>id</a:t>
             </a:r>
             <a:r>
-              <a:rPr lang="en-US"/>
+              <a:rPr lang="en-US" dirty="0"/>
               <a:t>; this.</a:t>
             </a:r>
             <a:r>
-              <a:rPr lang="en-US" b="1"/>
+              <a:rPr lang="en-US" b="1" dirty="0"/>
               <a:t>name</a:t>
             </a:r>
             <a:r>
-              <a:rPr lang="en-US"/>
+              <a:rPr lang="en-US" dirty="0"/>
               <a:t> = </a:t>
             </a:r>
             <a:r>
-              <a:rPr lang="en-US" i="1"/>
+              <a:rPr lang="en-US" i="1" dirty="0"/>
               <a:t>name</a:t>
             </a:r>
             <a:r>
-              <a:rPr lang="en-US"/>
+              <a:rPr lang="en-US" dirty="0"/>
               <a:t>;</a:t>
             </a:r>
           </a:p>
@@ -5711,16 +6034,24 @@
               <a:buNone/>
             </a:pPr>
             <a:r>
-              <a:rPr lang="en-US"/>
-              <a:t>     System.out.println(id);</a:t>
-            </a:r>
-          </a:p>
-          <a:p>
-            <a:pPr marL="0" indent="0">
-              <a:buNone/>
-            </a:pPr>
-            <a:r>
-              <a:rPr lang="en-US"/>
+              <a:rPr lang="en-US" dirty="0"/>
+              <a:t>     </a:t>
+            </a:r>
+            <a:r>
+              <a:rPr lang="en-US" dirty="0" err="1"/>
+              <a:t>System.out.println</a:t>
+            </a:r>
+            <a:r>
+              <a:rPr lang="en-US" dirty="0"/>
+              <a:t>(id);</a:t>
+            </a:r>
+          </a:p>
+          <a:p>
+            <a:pPr marL="0" indent="0">
+              <a:buNone/>
+            </a:pPr>
+            <a:r>
+              <a:rPr lang="en-US" dirty="0"/>
               <a:t>   }</a:t>
             </a:r>
           </a:p>
@@ -5729,7 +6060,7 @@
               <a:buNone/>
             </a:pPr>
             <a:r>
-              <a:rPr lang="en-US"/>
+              <a:rPr lang="en-US" dirty="0"/>
               <a:t>   // get and set</a:t>
             </a:r>
           </a:p>
@@ -5738,7 +6069,7 @@
               <a:buNone/>
             </a:pPr>
             <a:r>
-              <a:rPr lang="en-US"/>
+              <a:rPr lang="en-US" dirty="0"/>
               <a:t>} </a:t>
             </a:r>
           </a:p>
@@ -5746,17 +6077,17 @@
             <a:pPr marL="0" indent="0">
               <a:buNone/>
             </a:pPr>
-            <a:endParaRPr lang="en-US"/>
-          </a:p>
-          <a:p>
-            <a:pPr marL="0" indent="0">
-              <a:buNone/>
-            </a:pPr>
-            <a:r>
-              <a:rPr lang="en-US"/>
+            <a:endParaRPr lang="en-US" dirty="0"/>
+          </a:p>
+          <a:p>
+            <a:pPr marL="0" indent="0">
+              <a:buNone/>
+            </a:pPr>
+            <a:r>
+              <a:rPr lang="en-US" dirty="0"/>
               <a:t>Employee e = new Employee(1, “John”);</a:t>
             </a:r>
-            <a:endParaRPr lang="en-IN"/>
+            <a:endParaRPr lang="en-IN" dirty="0"/>
           </a:p>
         </p:txBody>
       </p:sp>
@@ -5795,7 +6126,7 @@
           <p:cNvPr id="2" name="Title 1">
             <a:extLst>
               <a:ext uri="{FF2B5EF4-FFF2-40B4-BE49-F238E27FC236}">
-                <a16:creationId xmlns:a16="http://schemas.microsoft.com/office/drawing/2014/main" id="{4572E215-388E-9B7B-7AD5-FBA1B355AACE}"/>
+                <a16:creationId xmlns:a16="http://schemas.microsoft.com/office/drawing/2014/main" xmlns="" id="{4572E215-388E-9B7B-7AD5-FBA1B355AACE}"/>
               </a:ext>
             </a:extLst>
           </p:cNvPr>
@@ -5824,7 +6155,7 @@
           <p:cNvPr id="3" name="Content Placeholder 2">
             <a:extLst>
               <a:ext uri="{FF2B5EF4-FFF2-40B4-BE49-F238E27FC236}">
-                <a16:creationId xmlns:a16="http://schemas.microsoft.com/office/drawing/2014/main" id="{BEB5C4C7-B8A5-0A18-CC69-884590BD5603}"/>
+                <a16:creationId xmlns:a16="http://schemas.microsoft.com/office/drawing/2014/main" xmlns="" id="{BEB5C4C7-B8A5-0A18-CC69-884590BD5603}"/>
               </a:ext>
             </a:extLst>
           </p:cNvPr>
@@ -5970,14 +6301,14 @@
         <a:srgbClr val="96607D"/>
       </a:folHlink>
     </a:clrScheme>
-    <a:fontScheme name="Office">
+    <a:fontScheme name="Times New Roman-Arial">
       <a:majorFont>
-        <a:latin typeface="Aptos Display" panose="02110004020202020204"/>
+        <a:latin typeface="Times New Roman" panose="02020603050405020304"/>
         <a:ea typeface=""/>
         <a:cs typeface=""/>
-        <a:font script="Jpan" typeface="游ゴシック Light"/>
-        <a:font script="Hang" typeface="맑은 고딕"/>
-        <a:font script="Hans" typeface="等线 Light"/>
+        <a:font script="Jpan" typeface="ＭＳ Ｐ明朝"/>
+        <a:font script="Hang" typeface="바탕"/>
+        <a:font script="Hans" typeface="宋体"/>
         <a:font script="Hant" typeface="新細明體"/>
         <a:font script="Arab" typeface="Times New Roman"/>
         <a:font script="Hebr" typeface="Times New Roman"/>
@@ -6005,32 +6336,15 @@
         <a:font script="Viet" typeface="Times New Roman"/>
         <a:font script="Uigh" typeface="Microsoft Uighur"/>
         <a:font script="Geor" typeface="Sylfaen"/>
-        <a:font script="Armn" typeface="Arial"/>
-        <a:font script="Bugi" typeface="Leelawadee UI"/>
-        <a:font script="Bopo" typeface="Microsoft JhengHei"/>
-        <a:font script="Java" typeface="Javanese Text"/>
-        <a:font script="Lisu" typeface="Segoe UI"/>
-        <a:font script="Mymr" typeface="Myanmar Text"/>
-        <a:font script="Nkoo" typeface="Ebrima"/>
-        <a:font script="Olck" typeface="Nirmala UI"/>
-        <a:font script="Osma" typeface="Ebrima"/>
-        <a:font script="Phag" typeface="Phagspa"/>
-        <a:font script="Syrn" typeface="Estrangelo Edessa"/>
-        <a:font script="Syrj" typeface="Estrangelo Edessa"/>
-        <a:font script="Syre" typeface="Estrangelo Edessa"/>
-        <a:font script="Sora" typeface="Nirmala UI"/>
-        <a:font script="Tale" typeface="Microsoft Tai Le"/>
-        <a:font script="Talu" typeface="Microsoft New Tai Lue"/>
-        <a:font script="Tfng" typeface="Ebrima"/>
       </a:majorFont>
       <a:minorFont>
-        <a:latin typeface="Aptos" panose="02110004020202020204"/>
+        <a:latin typeface="Arial" panose="020B0604020202020204"/>
         <a:ea typeface=""/>
         <a:cs typeface=""/>
-        <a:font script="Jpan" typeface="游ゴシック"/>
-        <a:font script="Hang" typeface="맑은 고딕"/>
-        <a:font script="Hans" typeface="等线"/>
-        <a:font script="Hant" typeface="新細明體"/>
+        <a:font script="Jpan" typeface="ＭＳ Ｐゴシック"/>
+        <a:font script="Hang" typeface="돋움"/>
+        <a:font script="Hans" typeface="黑体"/>
+        <a:font script="Hant" typeface="微軟正黑體"/>
         <a:font script="Arab" typeface="Arial"/>
         <a:font script="Hebr" typeface="Arial"/>
         <a:font script="Thai" typeface="Cordia New"/>
@@ -6057,23 +6371,6 @@
         <a:font script="Viet" typeface="Arial"/>
         <a:font script="Uigh" typeface="Microsoft Uighur"/>
         <a:font script="Geor" typeface="Sylfaen"/>
-        <a:font script="Armn" typeface="Arial"/>
-        <a:font script="Bugi" typeface="Leelawadee UI"/>
-        <a:font script="Bopo" typeface="Microsoft JhengHei"/>
-        <a:font script="Java" typeface="Javanese Text"/>
-        <a:font script="Lisu" typeface="Segoe UI"/>
-        <a:font script="Mymr" typeface="Myanmar Text"/>
-        <a:font script="Nkoo" typeface="Ebrima"/>
-        <a:font script="Olck" typeface="Nirmala UI"/>
-        <a:font script="Osma" typeface="Ebrima"/>
-        <a:font script="Phag" typeface="Phagspa"/>
-        <a:font script="Syrn" typeface="Estrangelo Edessa"/>
-        <a:font script="Syrj" typeface="Estrangelo Edessa"/>
-        <a:font script="Syre" typeface="Estrangelo Edessa"/>
-        <a:font script="Sora" typeface="Nirmala UI"/>
-        <a:font script="Tale" typeface="Microsoft Tai Le"/>
-        <a:font script="Talu" typeface="Microsoft New Tai Lue"/>
-        <a:font script="Tfng" typeface="Ebrima"/>
       </a:minorFont>
     </a:fontScheme>
     <a:fmtScheme name="Office">
